--- a/RaciocinioAlgoritmico/Aula 02 - Estruturas de Seleção (IF)/Aula 02 - Estruturas de Seleção (IF).pptx
+++ b/RaciocinioAlgoritmico/Aula 02 - Estruturas de Seleção (IF)/Aula 02 - Estruturas de Seleção (IF).pptx
@@ -77,37 +77,16 @@
             <a:noAutofit/>
           </a:bodyPr>
           <a:p>
-            <a:r>
-              <a:rPr b="0" lang="pt-BR" sz="1800" spc="-1" strike="noStrike">
-                <a:solidFill>
-                  <a:srgbClr val="000000"/>
-                </a:solidFill>
+            <a:pPr algn="ctr">
+              <a:buNone/>
+            </a:pPr>
+            <a:r>
+              <a:rPr b="0" lang="pt-BR" sz="4400" spc="-1" strike="noStrike">
                 <a:latin typeface="Arial"/>
               </a:rPr>
-              <a:t>Click to </a:t>
-            </a:r>
-            <a:r>
-              <a:rPr b="0" lang="pt-BR" sz="1800" spc="-1" strike="noStrike">
-                <a:solidFill>
-                  <a:srgbClr val="000000"/>
-                </a:solidFill>
-                <a:latin typeface="Arial"/>
-              </a:rPr>
-              <a:t>move the </a:t>
-            </a:r>
-            <a:r>
-              <a:rPr b="0" lang="pt-BR" sz="1800" spc="-1" strike="noStrike">
-                <a:solidFill>
-                  <a:srgbClr val="000000"/>
-                </a:solidFill>
-                <a:latin typeface="Arial"/>
-              </a:rPr>
-              <a:t>slide</a:t>
-            </a:r>
-            <a:endParaRPr b="0" lang="pt-BR" sz="1800" spc="-1" strike="noStrike">
-              <a:solidFill>
-                <a:srgbClr val="000000"/>
-              </a:solidFill>
+              <a:t>Click to move the slide</a:t>
+            </a:r>
+            <a:endParaRPr b="0" lang="pt-BR" sz="4400" spc="-1" strike="noStrike">
               <a:latin typeface="Arial"/>
             </a:endParaRPr>
           </a:p>
@@ -145,31 +124,7 @@
               <a:rPr b="0" lang="pt-BR" sz="2000" spc="-1" strike="noStrike">
                 <a:latin typeface="Arial"/>
               </a:rPr>
-              <a:t>Click to </a:t>
-            </a:r>
-            <a:r>
-              <a:rPr b="0" lang="pt-BR" sz="2000" spc="-1" strike="noStrike">
-                <a:latin typeface="Arial"/>
-              </a:rPr>
-              <a:t>edit </a:t>
-            </a:r>
-            <a:r>
-              <a:rPr b="0" lang="pt-BR" sz="2000" spc="-1" strike="noStrike">
-                <a:latin typeface="Arial"/>
-              </a:rPr>
-              <a:t>the </a:t>
-            </a:r>
-            <a:r>
-              <a:rPr b="0" lang="pt-BR" sz="2000" spc="-1" strike="noStrike">
-                <a:latin typeface="Arial"/>
-              </a:rPr>
-              <a:t>notes </a:t>
-            </a:r>
-            <a:r>
-              <a:rPr b="0" lang="pt-BR" sz="2000" spc="-1" strike="noStrike">
-                <a:latin typeface="Arial"/>
-              </a:rPr>
-              <a:t>format</a:t>
+              <a:t>Click to edit the notes format</a:t>
             </a:r>
             <a:endParaRPr b="0" lang="pt-BR" sz="2000" spc="-1" strike="noStrike">
               <a:latin typeface="Arial"/>
@@ -354,7 +309,7 @@
             <a:pPr algn="r">
               <a:buNone/>
             </a:pPr>
-            <a:fld id="{B7CF10BA-CF83-4165-B97E-F6B05FD61F3A}" type="slidenum">
+            <a:fld id="{F312EA2C-5095-44AB-B5FE-ED3401989D27}" type="slidenum">
               <a:rPr b="0" lang="pt-BR" sz="1400" spc="-1" strike="noStrike">
                 <a:latin typeface="Times New Roman"/>
               </a:rPr>
@@ -402,7 +357,7 @@
         <p:spPr>
           <a:xfrm>
             <a:off x="1376280" y="1336680"/>
-            <a:ext cx="4800240" cy="3600000"/>
+            <a:ext cx="4799880" cy="3599640"/>
           </a:xfrm>
           <a:prstGeom prst="rect">
             <a:avLst/>
@@ -425,7 +380,7 @@
         <p:spPr>
           <a:xfrm>
             <a:off x="756000" y="5145120"/>
-            <a:ext cx="6039720" cy="4201920"/>
+            <a:ext cx="6039360" cy="4201560"/>
           </a:xfrm>
           <a:prstGeom prst="rect">
             <a:avLst/>
@@ -455,7 +410,7 @@
         <p:spPr>
           <a:xfrm>
             <a:off x="0" y="10155240"/>
-            <a:ext cx="3268080" cy="528480"/>
+            <a:ext cx="3267720" cy="528120"/>
           </a:xfrm>
           <a:prstGeom prst="rect">
             <a:avLst/>
@@ -533,7 +488,7 @@
         <p:spPr>
           <a:xfrm>
             <a:off x="1376280" y="1336680"/>
-            <a:ext cx="4800240" cy="3600000"/>
+            <a:ext cx="4799880" cy="3599640"/>
           </a:xfrm>
           <a:prstGeom prst="rect">
             <a:avLst/>
@@ -556,7 +511,7 @@
         <p:spPr>
           <a:xfrm>
             <a:off x="756000" y="5145120"/>
-            <a:ext cx="6039720" cy="4201920"/>
+            <a:ext cx="6039360" cy="4201560"/>
           </a:xfrm>
           <a:prstGeom prst="rect">
             <a:avLst/>
@@ -586,7 +541,7 @@
         <p:spPr>
           <a:xfrm>
             <a:off x="0" y="10155240"/>
-            <a:ext cx="3268080" cy="528480"/>
+            <a:ext cx="3267720" cy="528120"/>
           </a:xfrm>
           <a:prstGeom prst="rect">
             <a:avLst/>
@@ -664,7 +619,7 @@
         <p:spPr>
           <a:xfrm>
             <a:off x="1376280" y="1336680"/>
-            <a:ext cx="4800240" cy="3600000"/>
+            <a:ext cx="4799880" cy="3599640"/>
           </a:xfrm>
           <a:prstGeom prst="rect">
             <a:avLst/>
@@ -687,7 +642,7 @@
         <p:spPr>
           <a:xfrm>
             <a:off x="756000" y="5145120"/>
-            <a:ext cx="6039720" cy="4201920"/>
+            <a:ext cx="6039360" cy="4201560"/>
           </a:xfrm>
           <a:prstGeom prst="rect">
             <a:avLst/>
@@ -717,7 +672,7 @@
         <p:spPr>
           <a:xfrm>
             <a:off x="0" y="10155240"/>
-            <a:ext cx="3268080" cy="528480"/>
+            <a:ext cx="3267720" cy="528120"/>
           </a:xfrm>
           <a:prstGeom prst="rect">
             <a:avLst/>
@@ -795,7 +750,7 @@
         <p:spPr>
           <a:xfrm>
             <a:off x="1376280" y="1336680"/>
-            <a:ext cx="4800240" cy="3600000"/>
+            <a:ext cx="4799880" cy="3599640"/>
           </a:xfrm>
           <a:prstGeom prst="rect">
             <a:avLst/>
@@ -818,7 +773,7 @@
         <p:spPr>
           <a:xfrm>
             <a:off x="756000" y="5145120"/>
-            <a:ext cx="6039720" cy="4201920"/>
+            <a:ext cx="6039360" cy="4201560"/>
           </a:xfrm>
           <a:prstGeom prst="rect">
             <a:avLst/>
@@ -848,7 +803,7 @@
         <p:spPr>
           <a:xfrm>
             <a:off x="0" y="10155240"/>
-            <a:ext cx="3268080" cy="528480"/>
+            <a:ext cx="3267720" cy="528120"/>
           </a:xfrm>
           <a:prstGeom prst="rect">
             <a:avLst/>
@@ -926,7 +881,7 @@
         <p:spPr>
           <a:xfrm>
             <a:off x="1376280" y="1336680"/>
-            <a:ext cx="4800240" cy="3600000"/>
+            <a:ext cx="4799880" cy="3599640"/>
           </a:xfrm>
           <a:prstGeom prst="rect">
             <a:avLst/>
@@ -949,7 +904,7 @@
         <p:spPr>
           <a:xfrm>
             <a:off x="756000" y="5145120"/>
-            <a:ext cx="6039720" cy="4201920"/>
+            <a:ext cx="6039360" cy="4201560"/>
           </a:xfrm>
           <a:prstGeom prst="rect">
             <a:avLst/>
@@ -979,7 +934,7 @@
         <p:spPr>
           <a:xfrm>
             <a:off x="0" y="10155240"/>
-            <a:ext cx="3268080" cy="528480"/>
+            <a:ext cx="3267720" cy="528120"/>
           </a:xfrm>
           <a:prstGeom prst="rect">
             <a:avLst/>
@@ -1057,7 +1012,7 @@
         <p:spPr>
           <a:xfrm>
             <a:off x="1376280" y="1336680"/>
-            <a:ext cx="4800240" cy="3600000"/>
+            <a:ext cx="4799880" cy="3599640"/>
           </a:xfrm>
           <a:prstGeom prst="rect">
             <a:avLst/>
@@ -1080,7 +1035,7 @@
         <p:spPr>
           <a:xfrm>
             <a:off x="756000" y="5145120"/>
-            <a:ext cx="6039720" cy="4201920"/>
+            <a:ext cx="6039360" cy="4201560"/>
           </a:xfrm>
           <a:prstGeom prst="rect">
             <a:avLst/>
@@ -1110,7 +1065,7 @@
         <p:spPr>
           <a:xfrm>
             <a:off x="0" y="10155240"/>
-            <a:ext cx="3268080" cy="528480"/>
+            <a:ext cx="3267720" cy="528120"/>
           </a:xfrm>
           <a:prstGeom prst="rect">
             <a:avLst/>
@@ -1188,7 +1143,7 @@
         <p:spPr>
           <a:xfrm>
             <a:off x="1376280" y="1336680"/>
-            <a:ext cx="4800240" cy="3600000"/>
+            <a:ext cx="4799880" cy="3599640"/>
           </a:xfrm>
           <a:prstGeom prst="rect">
             <a:avLst/>
@@ -1211,7 +1166,7 @@
         <p:spPr>
           <a:xfrm>
             <a:off x="756000" y="5145120"/>
-            <a:ext cx="6039720" cy="4201920"/>
+            <a:ext cx="6039360" cy="4201560"/>
           </a:xfrm>
           <a:prstGeom prst="rect">
             <a:avLst/>
@@ -1241,7 +1196,7 @@
         <p:spPr>
           <a:xfrm>
             <a:off x="0" y="10155240"/>
-            <a:ext cx="3268080" cy="528480"/>
+            <a:ext cx="3267720" cy="528120"/>
           </a:xfrm>
           <a:prstGeom prst="rect">
             <a:avLst/>
@@ -1319,7 +1274,7 @@
         <p:spPr>
           <a:xfrm>
             <a:off x="1376280" y="1336680"/>
-            <a:ext cx="4800240" cy="3600000"/>
+            <a:ext cx="4799880" cy="3599640"/>
           </a:xfrm>
           <a:prstGeom prst="rect">
             <a:avLst/>
@@ -1342,7 +1297,7 @@
         <p:spPr>
           <a:xfrm>
             <a:off x="756000" y="5145120"/>
-            <a:ext cx="6039720" cy="4201920"/>
+            <a:ext cx="6039360" cy="4201560"/>
           </a:xfrm>
           <a:prstGeom prst="rect">
             <a:avLst/>
@@ -1372,7 +1327,7 @@
         <p:spPr>
           <a:xfrm>
             <a:off x="0" y="10155240"/>
-            <a:ext cx="3268080" cy="528480"/>
+            <a:ext cx="3267720" cy="528120"/>
           </a:xfrm>
           <a:prstGeom prst="rect">
             <a:avLst/>
@@ -1450,7 +1405,7 @@
         <p:spPr>
           <a:xfrm>
             <a:off x="1376280" y="1336680"/>
-            <a:ext cx="4800240" cy="3600000"/>
+            <a:ext cx="4799880" cy="3599640"/>
           </a:xfrm>
           <a:prstGeom prst="rect">
             <a:avLst/>
@@ -1473,7 +1428,7 @@
         <p:spPr>
           <a:xfrm>
             <a:off x="756000" y="5145120"/>
-            <a:ext cx="6039360" cy="4201560"/>
+            <a:ext cx="6039000" cy="4201200"/>
           </a:xfrm>
           <a:prstGeom prst="rect">
             <a:avLst/>
@@ -1503,7 +1458,7 @@
         <p:spPr>
           <a:xfrm>
             <a:off x="0" y="10155240"/>
-            <a:ext cx="3267720" cy="528120"/>
+            <a:ext cx="3267360" cy="527760"/>
           </a:xfrm>
           <a:prstGeom prst="rect">
             <a:avLst/>
@@ -1581,7 +1536,7 @@
         <p:spPr>
           <a:xfrm>
             <a:off x="1376280" y="1336680"/>
-            <a:ext cx="4800240" cy="3600000"/>
+            <a:ext cx="4799880" cy="3599640"/>
           </a:xfrm>
           <a:prstGeom prst="rect">
             <a:avLst/>
@@ -1604,7 +1559,7 @@
         <p:spPr>
           <a:xfrm>
             <a:off x="756000" y="5145120"/>
-            <a:ext cx="6039720" cy="4201920"/>
+            <a:ext cx="6039360" cy="4201560"/>
           </a:xfrm>
           <a:prstGeom prst="rect">
             <a:avLst/>
@@ -1634,7 +1589,7 @@
         <p:spPr>
           <a:xfrm>
             <a:off x="0" y="10155240"/>
-            <a:ext cx="3268080" cy="528480"/>
+            <a:ext cx="3267720" cy="528120"/>
           </a:xfrm>
           <a:prstGeom prst="rect">
             <a:avLst/>
@@ -1712,7 +1667,7 @@
         <p:spPr>
           <a:xfrm>
             <a:off x="1376280" y="1336680"/>
-            <a:ext cx="4800240" cy="3600000"/>
+            <a:ext cx="4799880" cy="3599640"/>
           </a:xfrm>
           <a:prstGeom prst="rect">
             <a:avLst/>
@@ -1735,7 +1690,7 @@
         <p:spPr>
           <a:xfrm>
             <a:off x="756000" y="5145120"/>
-            <a:ext cx="6039720" cy="4201920"/>
+            <a:ext cx="6039360" cy="4201560"/>
           </a:xfrm>
           <a:prstGeom prst="rect">
             <a:avLst/>
@@ -1765,7 +1720,7 @@
         <p:spPr>
           <a:xfrm>
             <a:off x="0" y="10155240"/>
-            <a:ext cx="3268080" cy="528480"/>
+            <a:ext cx="3267720" cy="528120"/>
           </a:xfrm>
           <a:prstGeom prst="rect">
             <a:avLst/>
@@ -1843,7 +1798,7 @@
         <p:spPr>
           <a:xfrm>
             <a:off x="1376280" y="1336680"/>
-            <a:ext cx="4800240" cy="3600000"/>
+            <a:ext cx="4799880" cy="3599640"/>
           </a:xfrm>
           <a:prstGeom prst="rect">
             <a:avLst/>
@@ -1866,7 +1821,7 @@
         <p:spPr>
           <a:xfrm>
             <a:off x="756000" y="5145120"/>
-            <a:ext cx="6039720" cy="4201920"/>
+            <a:ext cx="6039360" cy="4201560"/>
           </a:xfrm>
           <a:prstGeom prst="rect">
             <a:avLst/>
@@ -1896,7 +1851,7 @@
         <p:spPr>
           <a:xfrm>
             <a:off x="0" y="10155240"/>
-            <a:ext cx="3268080" cy="528480"/>
+            <a:ext cx="3267720" cy="528120"/>
           </a:xfrm>
           <a:prstGeom prst="rect">
             <a:avLst/>
@@ -1974,7 +1929,7 @@
         <p:spPr>
           <a:xfrm>
             <a:off x="1376280" y="1336680"/>
-            <a:ext cx="4800240" cy="3600000"/>
+            <a:ext cx="4799880" cy="3599640"/>
           </a:xfrm>
           <a:prstGeom prst="rect">
             <a:avLst/>
@@ -1997,7 +1952,7 @@
         <p:spPr>
           <a:xfrm>
             <a:off x="756000" y="5145120"/>
-            <a:ext cx="6039720" cy="4201920"/>
+            <a:ext cx="6039360" cy="4201560"/>
           </a:xfrm>
           <a:prstGeom prst="rect">
             <a:avLst/>
@@ -2027,7 +1982,7 @@
         <p:spPr>
           <a:xfrm>
             <a:off x="0" y="10155240"/>
-            <a:ext cx="3268080" cy="528480"/>
+            <a:ext cx="3267720" cy="528120"/>
           </a:xfrm>
           <a:prstGeom prst="rect">
             <a:avLst/>
@@ -2105,7 +2060,7 @@
         <p:spPr>
           <a:xfrm>
             <a:off x="1376280" y="1336680"/>
-            <a:ext cx="4800240" cy="3600000"/>
+            <a:ext cx="4799880" cy="3599640"/>
           </a:xfrm>
           <a:prstGeom prst="rect">
             <a:avLst/>
@@ -2128,7 +2083,7 @@
         <p:spPr>
           <a:xfrm>
             <a:off x="756000" y="5145120"/>
-            <a:ext cx="6039720" cy="4201920"/>
+            <a:ext cx="6039360" cy="4201560"/>
           </a:xfrm>
           <a:prstGeom prst="rect">
             <a:avLst/>
@@ -2158,7 +2113,7 @@
         <p:spPr>
           <a:xfrm>
             <a:off x="0" y="10155240"/>
-            <a:ext cx="3268080" cy="528480"/>
+            <a:ext cx="3267720" cy="528120"/>
           </a:xfrm>
           <a:prstGeom prst="rect">
             <a:avLst/>
@@ -2236,7 +2191,7 @@
         <p:spPr>
           <a:xfrm>
             <a:off x="1376280" y="1336680"/>
-            <a:ext cx="4800240" cy="3600000"/>
+            <a:ext cx="4799880" cy="3599640"/>
           </a:xfrm>
           <a:prstGeom prst="rect">
             <a:avLst/>
@@ -2259,7 +2214,7 @@
         <p:spPr>
           <a:xfrm>
             <a:off x="756000" y="5145120"/>
-            <a:ext cx="6039720" cy="4201920"/>
+            <a:ext cx="6039360" cy="4201560"/>
           </a:xfrm>
           <a:prstGeom prst="rect">
             <a:avLst/>
@@ -2289,7 +2244,7 @@
         <p:spPr>
           <a:xfrm>
             <a:off x="0" y="10155240"/>
-            <a:ext cx="3268080" cy="528480"/>
+            <a:ext cx="3267720" cy="528120"/>
           </a:xfrm>
           <a:prstGeom prst="rect">
             <a:avLst/>
@@ -2367,7 +2322,7 @@
         <p:spPr>
           <a:xfrm>
             <a:off x="1376280" y="1336680"/>
-            <a:ext cx="4800240" cy="3600000"/>
+            <a:ext cx="4799880" cy="3599640"/>
           </a:xfrm>
           <a:prstGeom prst="rect">
             <a:avLst/>
@@ -2390,7 +2345,7 @@
         <p:spPr>
           <a:xfrm>
             <a:off x="756000" y="5145120"/>
-            <a:ext cx="6039720" cy="4201920"/>
+            <a:ext cx="6039360" cy="4201560"/>
           </a:xfrm>
           <a:prstGeom prst="rect">
             <a:avLst/>
@@ -2420,7 +2375,7 @@
         <p:spPr>
           <a:xfrm>
             <a:off x="0" y="10155240"/>
-            <a:ext cx="3268080" cy="528480"/>
+            <a:ext cx="3267720" cy="528120"/>
           </a:xfrm>
           <a:prstGeom prst="rect">
             <a:avLst/>
@@ -2535,10 +2490,10 @@
             <a:noAutofit/>
           </a:bodyPr>
           <a:p>
-            <a:endParaRPr b="0" lang="pt-BR" sz="1800" spc="-1" strike="noStrike">
-              <a:solidFill>
-                <a:srgbClr val="000000"/>
-              </a:solidFill>
+            <a:pPr algn="ctr">
+              <a:buNone/>
+            </a:pPr>
+            <a:endParaRPr b="0" lang="pt-BR" sz="4400" spc="-1" strike="noStrike">
               <a:latin typeface="Arial"/>
             </a:endParaRPr>
           </a:p>
@@ -2572,19 +2527,7 @@
             <a:normAutofit/>
           </a:bodyPr>
           <a:p>
-            <a:pPr>
-              <a:lnSpc>
-                <a:spcPct val="90000"/>
-              </a:lnSpc>
-              <a:spcBef>
-                <a:spcPts val="1417"/>
-              </a:spcBef>
-              <a:buNone/>
-            </a:pPr>
-            <a:endParaRPr b="0" lang="pt-BR" sz="2800" spc="-1" strike="noStrike">
-              <a:solidFill>
-                <a:srgbClr val="000000"/>
-              </a:solidFill>
+            <a:endParaRPr b="0" lang="pt-BR" sz="3200" spc="-1" strike="noStrike">
               <a:latin typeface="Arial"/>
             </a:endParaRPr>
           </a:p>
@@ -2618,19 +2561,7 @@
             <a:normAutofit/>
           </a:bodyPr>
           <a:p>
-            <a:pPr>
-              <a:lnSpc>
-                <a:spcPct val="90000"/>
-              </a:lnSpc>
-              <a:spcBef>
-                <a:spcPts val="1417"/>
-              </a:spcBef>
-              <a:buNone/>
-            </a:pPr>
-            <a:endParaRPr b="0" lang="pt-BR" sz="2800" spc="-1" strike="noStrike">
-              <a:solidFill>
-                <a:srgbClr val="000000"/>
-              </a:solidFill>
+            <a:endParaRPr b="0" lang="pt-BR" sz="3200" spc="-1" strike="noStrike">
               <a:latin typeface="Arial"/>
             </a:endParaRPr>
           </a:p>
@@ -2686,10 +2617,10 @@
             <a:noAutofit/>
           </a:bodyPr>
           <a:p>
-            <a:endParaRPr b="0" lang="pt-BR" sz="1800" spc="-1" strike="noStrike">
-              <a:solidFill>
-                <a:srgbClr val="000000"/>
-              </a:solidFill>
+            <a:pPr algn="ctr">
+              <a:buNone/>
+            </a:pPr>
+            <a:endParaRPr b="0" lang="pt-BR" sz="4400" spc="-1" strike="noStrike">
               <a:latin typeface="Arial"/>
             </a:endParaRPr>
           </a:p>
@@ -2723,19 +2654,7 @@
             <a:normAutofit/>
           </a:bodyPr>
           <a:p>
-            <a:pPr>
-              <a:lnSpc>
-                <a:spcPct val="90000"/>
-              </a:lnSpc>
-              <a:spcBef>
-                <a:spcPts val="1417"/>
-              </a:spcBef>
-              <a:buNone/>
-            </a:pPr>
-            <a:endParaRPr b="0" lang="pt-BR" sz="2800" spc="-1" strike="noStrike">
-              <a:solidFill>
-                <a:srgbClr val="000000"/>
-              </a:solidFill>
+            <a:endParaRPr b="0" lang="pt-BR" sz="3200" spc="-1" strike="noStrike">
               <a:latin typeface="Arial"/>
             </a:endParaRPr>
           </a:p>
@@ -2769,19 +2688,7 @@
             <a:normAutofit/>
           </a:bodyPr>
           <a:p>
-            <a:pPr>
-              <a:lnSpc>
-                <a:spcPct val="90000"/>
-              </a:lnSpc>
-              <a:spcBef>
-                <a:spcPts val="1417"/>
-              </a:spcBef>
-              <a:buNone/>
-            </a:pPr>
-            <a:endParaRPr b="0" lang="pt-BR" sz="2800" spc="-1" strike="noStrike">
-              <a:solidFill>
-                <a:srgbClr val="000000"/>
-              </a:solidFill>
+            <a:endParaRPr b="0" lang="pt-BR" sz="3200" spc="-1" strike="noStrike">
               <a:latin typeface="Arial"/>
             </a:endParaRPr>
           </a:p>
@@ -2815,19 +2722,7 @@
             <a:normAutofit/>
           </a:bodyPr>
           <a:p>
-            <a:pPr>
-              <a:lnSpc>
-                <a:spcPct val="90000"/>
-              </a:lnSpc>
-              <a:spcBef>
-                <a:spcPts val="1417"/>
-              </a:spcBef>
-              <a:buNone/>
-            </a:pPr>
-            <a:endParaRPr b="0" lang="pt-BR" sz="2800" spc="-1" strike="noStrike">
-              <a:solidFill>
-                <a:srgbClr val="000000"/>
-              </a:solidFill>
+            <a:endParaRPr b="0" lang="pt-BR" sz="3200" spc="-1" strike="noStrike">
               <a:latin typeface="Arial"/>
             </a:endParaRPr>
           </a:p>
@@ -2861,19 +2756,7 @@
             <a:normAutofit/>
           </a:bodyPr>
           <a:p>
-            <a:pPr>
-              <a:lnSpc>
-                <a:spcPct val="90000"/>
-              </a:lnSpc>
-              <a:spcBef>
-                <a:spcPts val="1417"/>
-              </a:spcBef>
-              <a:buNone/>
-            </a:pPr>
-            <a:endParaRPr b="0" lang="pt-BR" sz="2800" spc="-1" strike="noStrike">
-              <a:solidFill>
-                <a:srgbClr val="000000"/>
-              </a:solidFill>
+            <a:endParaRPr b="0" lang="pt-BR" sz="3200" spc="-1" strike="noStrike">
               <a:latin typeface="Arial"/>
             </a:endParaRPr>
           </a:p>
@@ -2929,10 +2812,10 @@
             <a:noAutofit/>
           </a:bodyPr>
           <a:p>
-            <a:endParaRPr b="0" lang="pt-BR" sz="1800" spc="-1" strike="noStrike">
-              <a:solidFill>
-                <a:srgbClr val="000000"/>
-              </a:solidFill>
+            <a:pPr algn="ctr">
+              <a:buNone/>
+            </a:pPr>
+            <a:endParaRPr b="0" lang="pt-BR" sz="4400" spc="-1" strike="noStrike">
               <a:latin typeface="Arial"/>
             </a:endParaRPr>
           </a:p>
@@ -2966,19 +2849,7 @@
             <a:normAutofit/>
           </a:bodyPr>
           <a:p>
-            <a:pPr>
-              <a:lnSpc>
-                <a:spcPct val="90000"/>
-              </a:lnSpc>
-              <a:spcBef>
-                <a:spcPts val="1417"/>
-              </a:spcBef>
-              <a:buNone/>
-            </a:pPr>
-            <a:endParaRPr b="0" lang="pt-BR" sz="2800" spc="-1" strike="noStrike">
-              <a:solidFill>
-                <a:srgbClr val="000000"/>
-              </a:solidFill>
+            <a:endParaRPr b="0" lang="pt-BR" sz="3200" spc="-1" strike="noStrike">
               <a:latin typeface="Arial"/>
             </a:endParaRPr>
           </a:p>
@@ -3012,19 +2883,7 @@
             <a:normAutofit/>
           </a:bodyPr>
           <a:p>
-            <a:pPr>
-              <a:lnSpc>
-                <a:spcPct val="90000"/>
-              </a:lnSpc>
-              <a:spcBef>
-                <a:spcPts val="1417"/>
-              </a:spcBef>
-              <a:buNone/>
-            </a:pPr>
-            <a:endParaRPr b="0" lang="pt-BR" sz="2800" spc="-1" strike="noStrike">
-              <a:solidFill>
-                <a:srgbClr val="000000"/>
-              </a:solidFill>
+            <a:endParaRPr b="0" lang="pt-BR" sz="3200" spc="-1" strike="noStrike">
               <a:latin typeface="Arial"/>
             </a:endParaRPr>
           </a:p>
@@ -3058,19 +2917,7 @@
             <a:normAutofit/>
           </a:bodyPr>
           <a:p>
-            <a:pPr>
-              <a:lnSpc>
-                <a:spcPct val="90000"/>
-              </a:lnSpc>
-              <a:spcBef>
-                <a:spcPts val="1417"/>
-              </a:spcBef>
-              <a:buNone/>
-            </a:pPr>
-            <a:endParaRPr b="0" lang="pt-BR" sz="2800" spc="-1" strike="noStrike">
-              <a:solidFill>
-                <a:srgbClr val="000000"/>
-              </a:solidFill>
+            <a:endParaRPr b="0" lang="pt-BR" sz="3200" spc="-1" strike="noStrike">
               <a:latin typeface="Arial"/>
             </a:endParaRPr>
           </a:p>
@@ -3104,19 +2951,7 @@
             <a:normAutofit/>
           </a:bodyPr>
           <a:p>
-            <a:pPr>
-              <a:lnSpc>
-                <a:spcPct val="90000"/>
-              </a:lnSpc>
-              <a:spcBef>
-                <a:spcPts val="1417"/>
-              </a:spcBef>
-              <a:buNone/>
-            </a:pPr>
-            <a:endParaRPr b="0" lang="pt-BR" sz="2800" spc="-1" strike="noStrike">
-              <a:solidFill>
-                <a:srgbClr val="000000"/>
-              </a:solidFill>
+            <a:endParaRPr b="0" lang="pt-BR" sz="3200" spc="-1" strike="noStrike">
               <a:latin typeface="Arial"/>
             </a:endParaRPr>
           </a:p>
@@ -3150,19 +2985,7 @@
             <a:normAutofit/>
           </a:bodyPr>
           <a:p>
-            <a:pPr>
-              <a:lnSpc>
-                <a:spcPct val="90000"/>
-              </a:lnSpc>
-              <a:spcBef>
-                <a:spcPts val="1417"/>
-              </a:spcBef>
-              <a:buNone/>
-            </a:pPr>
-            <a:endParaRPr b="0" lang="pt-BR" sz="2800" spc="-1" strike="noStrike">
-              <a:solidFill>
-                <a:srgbClr val="000000"/>
-              </a:solidFill>
+            <a:endParaRPr b="0" lang="pt-BR" sz="3200" spc="-1" strike="noStrike">
               <a:latin typeface="Arial"/>
             </a:endParaRPr>
           </a:p>
@@ -3196,19 +3019,7 @@
             <a:normAutofit/>
           </a:bodyPr>
           <a:p>
-            <a:pPr>
-              <a:lnSpc>
-                <a:spcPct val="90000"/>
-              </a:lnSpc>
-              <a:spcBef>
-                <a:spcPts val="1417"/>
-              </a:spcBef>
-              <a:buNone/>
-            </a:pPr>
-            <a:endParaRPr b="0" lang="pt-BR" sz="2800" spc="-1" strike="noStrike">
-              <a:solidFill>
-                <a:srgbClr val="000000"/>
-              </a:solidFill>
+            <a:endParaRPr b="0" lang="pt-BR" sz="3200" spc="-1" strike="noStrike">
               <a:latin typeface="Arial"/>
             </a:endParaRPr>
           </a:p>
@@ -3286,10 +3097,10 @@
             <a:noAutofit/>
           </a:bodyPr>
           <a:p>
-            <a:endParaRPr b="0" lang="pt-BR" sz="1800" spc="-1" strike="noStrike">
-              <a:solidFill>
-                <a:srgbClr val="000000"/>
-              </a:solidFill>
+            <a:pPr algn="ctr">
+              <a:buNone/>
+            </a:pPr>
+            <a:endParaRPr b="0" lang="pt-BR" sz="4400" spc="-1" strike="noStrike">
               <a:latin typeface="Arial"/>
             </a:endParaRPr>
           </a:p>
@@ -3382,10 +3193,10 @@
             <a:noAutofit/>
           </a:bodyPr>
           <a:p>
-            <a:endParaRPr b="0" lang="pt-BR" sz="1800" spc="-1" strike="noStrike">
-              <a:solidFill>
-                <a:srgbClr val="000000"/>
-              </a:solidFill>
+            <a:pPr algn="ctr">
+              <a:buNone/>
+            </a:pPr>
+            <a:endParaRPr b="0" lang="pt-BR" sz="4400" spc="-1" strike="noStrike">
               <a:latin typeface="Arial"/>
             </a:endParaRPr>
           </a:p>
@@ -3419,19 +3230,7 @@
             <a:normAutofit/>
           </a:bodyPr>
           <a:p>
-            <a:pPr>
-              <a:lnSpc>
-                <a:spcPct val="90000"/>
-              </a:lnSpc>
-              <a:spcBef>
-                <a:spcPts val="1417"/>
-              </a:spcBef>
-              <a:buNone/>
-            </a:pPr>
-            <a:endParaRPr b="0" lang="pt-BR" sz="2800" spc="-1" strike="noStrike">
-              <a:solidFill>
-                <a:srgbClr val="000000"/>
-              </a:solidFill>
+            <a:endParaRPr b="0" lang="pt-BR" sz="3200" spc="-1" strike="noStrike">
               <a:latin typeface="Arial"/>
             </a:endParaRPr>
           </a:p>
@@ -3487,10 +3286,10 @@
             <a:noAutofit/>
           </a:bodyPr>
           <a:p>
-            <a:endParaRPr b="0" lang="pt-BR" sz="1800" spc="-1" strike="noStrike">
-              <a:solidFill>
-                <a:srgbClr val="000000"/>
-              </a:solidFill>
+            <a:pPr algn="ctr">
+              <a:buNone/>
+            </a:pPr>
+            <a:endParaRPr b="0" lang="pt-BR" sz="4400" spc="-1" strike="noStrike">
               <a:latin typeface="Arial"/>
             </a:endParaRPr>
           </a:p>
@@ -3524,19 +3323,7 @@
             <a:normAutofit/>
           </a:bodyPr>
           <a:p>
-            <a:pPr>
-              <a:lnSpc>
-                <a:spcPct val="90000"/>
-              </a:lnSpc>
-              <a:spcBef>
-                <a:spcPts val="1417"/>
-              </a:spcBef>
-              <a:buNone/>
-            </a:pPr>
-            <a:endParaRPr b="0" lang="pt-BR" sz="2800" spc="-1" strike="noStrike">
-              <a:solidFill>
-                <a:srgbClr val="000000"/>
-              </a:solidFill>
+            <a:endParaRPr b="0" lang="pt-BR" sz="3200" spc="-1" strike="noStrike">
               <a:latin typeface="Arial"/>
             </a:endParaRPr>
           </a:p>
@@ -3570,19 +3357,7 @@
             <a:normAutofit/>
           </a:bodyPr>
           <a:p>
-            <a:pPr>
-              <a:lnSpc>
-                <a:spcPct val="90000"/>
-              </a:lnSpc>
-              <a:spcBef>
-                <a:spcPts val="1417"/>
-              </a:spcBef>
-              <a:buNone/>
-            </a:pPr>
-            <a:endParaRPr b="0" lang="pt-BR" sz="2800" spc="-1" strike="noStrike">
-              <a:solidFill>
-                <a:srgbClr val="000000"/>
-              </a:solidFill>
+            <a:endParaRPr b="0" lang="pt-BR" sz="3200" spc="-1" strike="noStrike">
               <a:latin typeface="Arial"/>
             </a:endParaRPr>
           </a:p>
@@ -3638,10 +3413,10 @@
             <a:noAutofit/>
           </a:bodyPr>
           <a:p>
-            <a:endParaRPr b="0" lang="pt-BR" sz="1800" spc="-1" strike="noStrike">
-              <a:solidFill>
-                <a:srgbClr val="000000"/>
-              </a:solidFill>
+            <a:pPr algn="ctr">
+              <a:buNone/>
+            </a:pPr>
+            <a:endParaRPr b="0" lang="pt-BR" sz="4400" spc="-1" strike="noStrike">
               <a:latin typeface="Arial"/>
             </a:endParaRPr>
           </a:p>
@@ -3756,10 +3531,10 @@
             <a:noAutofit/>
           </a:bodyPr>
           <a:p>
-            <a:endParaRPr b="0" lang="pt-BR" sz="1800" spc="-1" strike="noStrike">
-              <a:solidFill>
-                <a:srgbClr val="000000"/>
-              </a:solidFill>
+            <a:pPr algn="ctr">
+              <a:buNone/>
+            </a:pPr>
+            <a:endParaRPr b="0" lang="pt-BR" sz="4400" spc="-1" strike="noStrike">
               <a:latin typeface="Arial"/>
             </a:endParaRPr>
           </a:p>
@@ -3793,19 +3568,7 @@
             <a:normAutofit/>
           </a:bodyPr>
           <a:p>
-            <a:pPr>
-              <a:lnSpc>
-                <a:spcPct val="90000"/>
-              </a:lnSpc>
-              <a:spcBef>
-                <a:spcPts val="1417"/>
-              </a:spcBef>
-              <a:buNone/>
-            </a:pPr>
-            <a:endParaRPr b="0" lang="pt-BR" sz="2800" spc="-1" strike="noStrike">
-              <a:solidFill>
-                <a:srgbClr val="000000"/>
-              </a:solidFill>
+            <a:endParaRPr b="0" lang="pt-BR" sz="3200" spc="-1" strike="noStrike">
               <a:latin typeface="Arial"/>
             </a:endParaRPr>
           </a:p>
@@ -3839,19 +3602,7 @@
             <a:normAutofit/>
           </a:bodyPr>
           <a:p>
-            <a:pPr>
-              <a:lnSpc>
-                <a:spcPct val="90000"/>
-              </a:lnSpc>
-              <a:spcBef>
-                <a:spcPts val="1417"/>
-              </a:spcBef>
-              <a:buNone/>
-            </a:pPr>
-            <a:endParaRPr b="0" lang="pt-BR" sz="2800" spc="-1" strike="noStrike">
-              <a:solidFill>
-                <a:srgbClr val="000000"/>
-              </a:solidFill>
+            <a:endParaRPr b="0" lang="pt-BR" sz="3200" spc="-1" strike="noStrike">
               <a:latin typeface="Arial"/>
             </a:endParaRPr>
           </a:p>
@@ -3885,19 +3636,7 @@
             <a:normAutofit/>
           </a:bodyPr>
           <a:p>
-            <a:pPr>
-              <a:lnSpc>
-                <a:spcPct val="90000"/>
-              </a:lnSpc>
-              <a:spcBef>
-                <a:spcPts val="1417"/>
-              </a:spcBef>
-              <a:buNone/>
-            </a:pPr>
-            <a:endParaRPr b="0" lang="pt-BR" sz="2800" spc="-1" strike="noStrike">
-              <a:solidFill>
-                <a:srgbClr val="000000"/>
-              </a:solidFill>
+            <a:endParaRPr b="0" lang="pt-BR" sz="3200" spc="-1" strike="noStrike">
               <a:latin typeface="Arial"/>
             </a:endParaRPr>
           </a:p>
@@ -3953,10 +3692,10 @@
             <a:noAutofit/>
           </a:bodyPr>
           <a:p>
-            <a:endParaRPr b="0" lang="pt-BR" sz="1800" spc="-1" strike="noStrike">
-              <a:solidFill>
-                <a:srgbClr val="000000"/>
-              </a:solidFill>
+            <a:pPr algn="ctr">
+              <a:buNone/>
+            </a:pPr>
+            <a:endParaRPr b="0" lang="pt-BR" sz="4400" spc="-1" strike="noStrike">
               <a:latin typeface="Arial"/>
             </a:endParaRPr>
           </a:p>
@@ -4049,10 +3788,10 @@
             <a:noAutofit/>
           </a:bodyPr>
           <a:p>
-            <a:endParaRPr b="0" lang="pt-BR" sz="1800" spc="-1" strike="noStrike">
-              <a:solidFill>
-                <a:srgbClr val="000000"/>
-              </a:solidFill>
+            <a:pPr algn="ctr">
+              <a:buNone/>
+            </a:pPr>
+            <a:endParaRPr b="0" lang="pt-BR" sz="4400" spc="-1" strike="noStrike">
               <a:latin typeface="Arial"/>
             </a:endParaRPr>
           </a:p>
@@ -4086,19 +3825,7 @@
             <a:normAutofit/>
           </a:bodyPr>
           <a:p>
-            <a:pPr>
-              <a:lnSpc>
-                <a:spcPct val="90000"/>
-              </a:lnSpc>
-              <a:spcBef>
-                <a:spcPts val="1417"/>
-              </a:spcBef>
-              <a:buNone/>
-            </a:pPr>
-            <a:endParaRPr b="0" lang="pt-BR" sz="2800" spc="-1" strike="noStrike">
-              <a:solidFill>
-                <a:srgbClr val="000000"/>
-              </a:solidFill>
+            <a:endParaRPr b="0" lang="pt-BR" sz="3200" spc="-1" strike="noStrike">
               <a:latin typeface="Arial"/>
             </a:endParaRPr>
           </a:p>
@@ -4132,19 +3859,7 @@
             <a:normAutofit/>
           </a:bodyPr>
           <a:p>
-            <a:pPr>
-              <a:lnSpc>
-                <a:spcPct val="90000"/>
-              </a:lnSpc>
-              <a:spcBef>
-                <a:spcPts val="1417"/>
-              </a:spcBef>
-              <a:buNone/>
-            </a:pPr>
-            <a:endParaRPr b="0" lang="pt-BR" sz="2800" spc="-1" strike="noStrike">
-              <a:solidFill>
-                <a:srgbClr val="000000"/>
-              </a:solidFill>
+            <a:endParaRPr b="0" lang="pt-BR" sz="3200" spc="-1" strike="noStrike">
               <a:latin typeface="Arial"/>
             </a:endParaRPr>
           </a:p>
@@ -4178,19 +3893,7 @@
             <a:normAutofit/>
           </a:bodyPr>
           <a:p>
-            <a:pPr>
-              <a:lnSpc>
-                <a:spcPct val="90000"/>
-              </a:lnSpc>
-              <a:spcBef>
-                <a:spcPts val="1417"/>
-              </a:spcBef>
-              <a:buNone/>
-            </a:pPr>
-            <a:endParaRPr b="0" lang="pt-BR" sz="2800" spc="-1" strike="noStrike">
-              <a:solidFill>
-                <a:srgbClr val="000000"/>
-              </a:solidFill>
+            <a:endParaRPr b="0" lang="pt-BR" sz="3200" spc="-1" strike="noStrike">
               <a:latin typeface="Arial"/>
             </a:endParaRPr>
           </a:p>
@@ -4246,10 +3949,10 @@
             <a:noAutofit/>
           </a:bodyPr>
           <a:p>
-            <a:endParaRPr b="0" lang="pt-BR" sz="1800" spc="-1" strike="noStrike">
-              <a:solidFill>
-                <a:srgbClr val="000000"/>
-              </a:solidFill>
+            <a:pPr algn="ctr">
+              <a:buNone/>
+            </a:pPr>
+            <a:endParaRPr b="0" lang="pt-BR" sz="4400" spc="-1" strike="noStrike">
               <a:latin typeface="Arial"/>
             </a:endParaRPr>
           </a:p>
@@ -4283,19 +3986,7 @@
             <a:normAutofit/>
           </a:bodyPr>
           <a:p>
-            <a:pPr>
-              <a:lnSpc>
-                <a:spcPct val="90000"/>
-              </a:lnSpc>
-              <a:spcBef>
-                <a:spcPts val="1417"/>
-              </a:spcBef>
-              <a:buNone/>
-            </a:pPr>
-            <a:endParaRPr b="0" lang="pt-BR" sz="2800" spc="-1" strike="noStrike">
-              <a:solidFill>
-                <a:srgbClr val="000000"/>
-              </a:solidFill>
+            <a:endParaRPr b="0" lang="pt-BR" sz="3200" spc="-1" strike="noStrike">
               <a:latin typeface="Arial"/>
             </a:endParaRPr>
           </a:p>
@@ -4329,19 +4020,7 @@
             <a:normAutofit/>
           </a:bodyPr>
           <a:p>
-            <a:pPr>
-              <a:lnSpc>
-                <a:spcPct val="90000"/>
-              </a:lnSpc>
-              <a:spcBef>
-                <a:spcPts val="1417"/>
-              </a:spcBef>
-              <a:buNone/>
-            </a:pPr>
-            <a:endParaRPr b="0" lang="pt-BR" sz="2800" spc="-1" strike="noStrike">
-              <a:solidFill>
-                <a:srgbClr val="000000"/>
-              </a:solidFill>
+            <a:endParaRPr b="0" lang="pt-BR" sz="3200" spc="-1" strike="noStrike">
               <a:latin typeface="Arial"/>
             </a:endParaRPr>
           </a:p>
@@ -4375,19 +4054,7 @@
             <a:normAutofit/>
           </a:bodyPr>
           <a:p>
-            <a:pPr>
-              <a:lnSpc>
-                <a:spcPct val="90000"/>
-              </a:lnSpc>
-              <a:spcBef>
-                <a:spcPts val="1417"/>
-              </a:spcBef>
-              <a:buNone/>
-            </a:pPr>
-            <a:endParaRPr b="0" lang="pt-BR" sz="2800" spc="-1" strike="noStrike">
-              <a:solidFill>
-                <a:srgbClr val="000000"/>
-              </a:solidFill>
+            <a:endParaRPr b="0" lang="pt-BR" sz="3200" spc="-1" strike="noStrike">
               <a:latin typeface="Arial"/>
             </a:endParaRPr>
           </a:p>
@@ -4443,10 +4110,10 @@
             <a:noAutofit/>
           </a:bodyPr>
           <a:p>
-            <a:endParaRPr b="0" lang="pt-BR" sz="1800" spc="-1" strike="noStrike">
-              <a:solidFill>
-                <a:srgbClr val="000000"/>
-              </a:solidFill>
+            <a:pPr algn="ctr">
+              <a:buNone/>
+            </a:pPr>
+            <a:endParaRPr b="0" lang="pt-BR" sz="4400" spc="-1" strike="noStrike">
               <a:latin typeface="Arial"/>
             </a:endParaRPr>
           </a:p>
@@ -4480,19 +4147,7 @@
             <a:normAutofit/>
           </a:bodyPr>
           <a:p>
-            <a:pPr>
-              <a:lnSpc>
-                <a:spcPct val="90000"/>
-              </a:lnSpc>
-              <a:spcBef>
-                <a:spcPts val="1417"/>
-              </a:spcBef>
-              <a:buNone/>
-            </a:pPr>
-            <a:endParaRPr b="0" lang="pt-BR" sz="2800" spc="-1" strike="noStrike">
-              <a:solidFill>
-                <a:srgbClr val="000000"/>
-              </a:solidFill>
+            <a:endParaRPr b="0" lang="pt-BR" sz="3200" spc="-1" strike="noStrike">
               <a:latin typeface="Arial"/>
             </a:endParaRPr>
           </a:p>
@@ -4526,19 +4181,7 @@
             <a:normAutofit/>
           </a:bodyPr>
           <a:p>
-            <a:pPr>
-              <a:lnSpc>
-                <a:spcPct val="90000"/>
-              </a:lnSpc>
-              <a:spcBef>
-                <a:spcPts val="1417"/>
-              </a:spcBef>
-              <a:buNone/>
-            </a:pPr>
-            <a:endParaRPr b="0" lang="pt-BR" sz="2800" spc="-1" strike="noStrike">
-              <a:solidFill>
-                <a:srgbClr val="000000"/>
-              </a:solidFill>
+            <a:endParaRPr b="0" lang="pt-BR" sz="3200" spc="-1" strike="noStrike">
               <a:latin typeface="Arial"/>
             </a:endParaRPr>
           </a:p>
@@ -4594,10 +4237,10 @@
             <a:noAutofit/>
           </a:bodyPr>
           <a:p>
-            <a:endParaRPr b="0" lang="pt-BR" sz="1800" spc="-1" strike="noStrike">
-              <a:solidFill>
-                <a:srgbClr val="000000"/>
-              </a:solidFill>
+            <a:pPr algn="ctr">
+              <a:buNone/>
+            </a:pPr>
+            <a:endParaRPr b="0" lang="pt-BR" sz="4400" spc="-1" strike="noStrike">
               <a:latin typeface="Arial"/>
             </a:endParaRPr>
           </a:p>
@@ -4631,19 +4274,7 @@
             <a:normAutofit/>
           </a:bodyPr>
           <a:p>
-            <a:pPr>
-              <a:lnSpc>
-                <a:spcPct val="90000"/>
-              </a:lnSpc>
-              <a:spcBef>
-                <a:spcPts val="1417"/>
-              </a:spcBef>
-              <a:buNone/>
-            </a:pPr>
-            <a:endParaRPr b="0" lang="pt-BR" sz="2800" spc="-1" strike="noStrike">
-              <a:solidFill>
-                <a:srgbClr val="000000"/>
-              </a:solidFill>
+            <a:endParaRPr b="0" lang="pt-BR" sz="3200" spc="-1" strike="noStrike">
               <a:latin typeface="Arial"/>
             </a:endParaRPr>
           </a:p>
@@ -4677,19 +4308,7 @@
             <a:normAutofit/>
           </a:bodyPr>
           <a:p>
-            <a:pPr>
-              <a:lnSpc>
-                <a:spcPct val="90000"/>
-              </a:lnSpc>
-              <a:spcBef>
-                <a:spcPts val="1417"/>
-              </a:spcBef>
-              <a:buNone/>
-            </a:pPr>
-            <a:endParaRPr b="0" lang="pt-BR" sz="2800" spc="-1" strike="noStrike">
-              <a:solidFill>
-                <a:srgbClr val="000000"/>
-              </a:solidFill>
+            <a:endParaRPr b="0" lang="pt-BR" sz="3200" spc="-1" strike="noStrike">
               <a:latin typeface="Arial"/>
             </a:endParaRPr>
           </a:p>
@@ -4723,19 +4342,7 @@
             <a:normAutofit/>
           </a:bodyPr>
           <a:p>
-            <a:pPr>
-              <a:lnSpc>
-                <a:spcPct val="90000"/>
-              </a:lnSpc>
-              <a:spcBef>
-                <a:spcPts val="1417"/>
-              </a:spcBef>
-              <a:buNone/>
-            </a:pPr>
-            <a:endParaRPr b="0" lang="pt-BR" sz="2800" spc="-1" strike="noStrike">
-              <a:solidFill>
-                <a:srgbClr val="000000"/>
-              </a:solidFill>
+            <a:endParaRPr b="0" lang="pt-BR" sz="3200" spc="-1" strike="noStrike">
               <a:latin typeface="Arial"/>
             </a:endParaRPr>
           </a:p>
@@ -4769,19 +4376,7 @@
             <a:normAutofit/>
           </a:bodyPr>
           <a:p>
-            <a:pPr>
-              <a:lnSpc>
-                <a:spcPct val="90000"/>
-              </a:lnSpc>
-              <a:spcBef>
-                <a:spcPts val="1417"/>
-              </a:spcBef>
-              <a:buNone/>
-            </a:pPr>
-            <a:endParaRPr b="0" lang="pt-BR" sz="2800" spc="-1" strike="noStrike">
-              <a:solidFill>
-                <a:srgbClr val="000000"/>
-              </a:solidFill>
+            <a:endParaRPr b="0" lang="pt-BR" sz="3200" spc="-1" strike="noStrike">
               <a:latin typeface="Arial"/>
             </a:endParaRPr>
           </a:p>
@@ -4837,10 +4432,10 @@
             <a:noAutofit/>
           </a:bodyPr>
           <a:p>
-            <a:endParaRPr b="0" lang="pt-BR" sz="1800" spc="-1" strike="noStrike">
-              <a:solidFill>
-                <a:srgbClr val="000000"/>
-              </a:solidFill>
+            <a:pPr algn="ctr">
+              <a:buNone/>
+            </a:pPr>
+            <a:endParaRPr b="0" lang="pt-BR" sz="4400" spc="-1" strike="noStrike">
               <a:latin typeface="Arial"/>
             </a:endParaRPr>
           </a:p>
@@ -4874,19 +4469,7 @@
             <a:normAutofit/>
           </a:bodyPr>
           <a:p>
-            <a:pPr>
-              <a:lnSpc>
-                <a:spcPct val="90000"/>
-              </a:lnSpc>
-              <a:spcBef>
-                <a:spcPts val="1417"/>
-              </a:spcBef>
-              <a:buNone/>
-            </a:pPr>
-            <a:endParaRPr b="0" lang="pt-BR" sz="2800" spc="-1" strike="noStrike">
-              <a:solidFill>
-                <a:srgbClr val="000000"/>
-              </a:solidFill>
+            <a:endParaRPr b="0" lang="pt-BR" sz="3200" spc="-1" strike="noStrike">
               <a:latin typeface="Arial"/>
             </a:endParaRPr>
           </a:p>
@@ -4920,19 +4503,7 @@
             <a:normAutofit/>
           </a:bodyPr>
           <a:p>
-            <a:pPr>
-              <a:lnSpc>
-                <a:spcPct val="90000"/>
-              </a:lnSpc>
-              <a:spcBef>
-                <a:spcPts val="1417"/>
-              </a:spcBef>
-              <a:buNone/>
-            </a:pPr>
-            <a:endParaRPr b="0" lang="pt-BR" sz="2800" spc="-1" strike="noStrike">
-              <a:solidFill>
-                <a:srgbClr val="000000"/>
-              </a:solidFill>
+            <a:endParaRPr b="0" lang="pt-BR" sz="3200" spc="-1" strike="noStrike">
               <a:latin typeface="Arial"/>
             </a:endParaRPr>
           </a:p>
@@ -4966,19 +4537,7 @@
             <a:normAutofit/>
           </a:bodyPr>
           <a:p>
-            <a:pPr>
-              <a:lnSpc>
-                <a:spcPct val="90000"/>
-              </a:lnSpc>
-              <a:spcBef>
-                <a:spcPts val="1417"/>
-              </a:spcBef>
-              <a:buNone/>
-            </a:pPr>
-            <a:endParaRPr b="0" lang="pt-BR" sz="2800" spc="-1" strike="noStrike">
-              <a:solidFill>
-                <a:srgbClr val="000000"/>
-              </a:solidFill>
+            <a:endParaRPr b="0" lang="pt-BR" sz="3200" spc="-1" strike="noStrike">
               <a:latin typeface="Arial"/>
             </a:endParaRPr>
           </a:p>
@@ -5012,19 +4571,7 @@
             <a:normAutofit/>
           </a:bodyPr>
           <a:p>
-            <a:pPr>
-              <a:lnSpc>
-                <a:spcPct val="90000"/>
-              </a:lnSpc>
-              <a:spcBef>
-                <a:spcPts val="1417"/>
-              </a:spcBef>
-              <a:buNone/>
-            </a:pPr>
-            <a:endParaRPr b="0" lang="pt-BR" sz="2800" spc="-1" strike="noStrike">
-              <a:solidFill>
-                <a:srgbClr val="000000"/>
-              </a:solidFill>
+            <a:endParaRPr b="0" lang="pt-BR" sz="3200" spc="-1" strike="noStrike">
               <a:latin typeface="Arial"/>
             </a:endParaRPr>
           </a:p>
@@ -5058,19 +4605,7 @@
             <a:normAutofit/>
           </a:bodyPr>
           <a:p>
-            <a:pPr>
-              <a:lnSpc>
-                <a:spcPct val="90000"/>
-              </a:lnSpc>
-              <a:spcBef>
-                <a:spcPts val="1417"/>
-              </a:spcBef>
-              <a:buNone/>
-            </a:pPr>
-            <a:endParaRPr b="0" lang="pt-BR" sz="2800" spc="-1" strike="noStrike">
-              <a:solidFill>
-                <a:srgbClr val="000000"/>
-              </a:solidFill>
+            <a:endParaRPr b="0" lang="pt-BR" sz="3200" spc="-1" strike="noStrike">
               <a:latin typeface="Arial"/>
             </a:endParaRPr>
           </a:p>
@@ -5104,19 +4639,7 @@
             <a:normAutofit/>
           </a:bodyPr>
           <a:p>
-            <a:pPr>
-              <a:lnSpc>
-                <a:spcPct val="90000"/>
-              </a:lnSpc>
-              <a:spcBef>
-                <a:spcPts val="1417"/>
-              </a:spcBef>
-              <a:buNone/>
-            </a:pPr>
-            <a:endParaRPr b="0" lang="pt-BR" sz="2800" spc="-1" strike="noStrike">
-              <a:solidFill>
-                <a:srgbClr val="000000"/>
-              </a:solidFill>
+            <a:endParaRPr b="0" lang="pt-BR" sz="3200" spc="-1" strike="noStrike">
               <a:latin typeface="Arial"/>
             </a:endParaRPr>
           </a:p>
@@ -5194,10 +4717,10 @@
             <a:noAutofit/>
           </a:bodyPr>
           <a:p>
-            <a:endParaRPr b="0" lang="pt-BR" sz="1800" spc="-1" strike="noStrike">
-              <a:solidFill>
-                <a:srgbClr val="000000"/>
-              </a:solidFill>
+            <a:pPr algn="ctr">
+              <a:buNone/>
+            </a:pPr>
+            <a:endParaRPr b="0" lang="pt-BR" sz="4400" spc="-1" strike="noStrike">
               <a:latin typeface="Arial"/>
             </a:endParaRPr>
           </a:p>
@@ -5290,10 +4813,10 @@
             <a:noAutofit/>
           </a:bodyPr>
           <a:p>
-            <a:endParaRPr b="0" lang="pt-BR" sz="1800" spc="-1" strike="noStrike">
-              <a:solidFill>
-                <a:srgbClr val="000000"/>
-              </a:solidFill>
+            <a:pPr algn="ctr">
+              <a:buNone/>
+            </a:pPr>
+            <a:endParaRPr b="0" lang="pt-BR" sz="4400" spc="-1" strike="noStrike">
               <a:latin typeface="Arial"/>
             </a:endParaRPr>
           </a:p>
@@ -5327,19 +4850,7 @@
             <a:normAutofit/>
           </a:bodyPr>
           <a:p>
-            <a:pPr>
-              <a:lnSpc>
-                <a:spcPct val="90000"/>
-              </a:lnSpc>
-              <a:spcBef>
-                <a:spcPts val="1417"/>
-              </a:spcBef>
-              <a:buNone/>
-            </a:pPr>
-            <a:endParaRPr b="0" lang="pt-BR" sz="2800" spc="-1" strike="noStrike">
-              <a:solidFill>
-                <a:srgbClr val="000000"/>
-              </a:solidFill>
+            <a:endParaRPr b="0" lang="pt-BR" sz="3200" spc="-1" strike="noStrike">
               <a:latin typeface="Arial"/>
             </a:endParaRPr>
           </a:p>
@@ -5395,10 +4906,10 @@
             <a:noAutofit/>
           </a:bodyPr>
           <a:p>
-            <a:endParaRPr b="0" lang="pt-BR" sz="1800" spc="-1" strike="noStrike">
-              <a:solidFill>
-                <a:srgbClr val="000000"/>
-              </a:solidFill>
+            <a:pPr algn="ctr">
+              <a:buNone/>
+            </a:pPr>
+            <a:endParaRPr b="0" lang="pt-BR" sz="4400" spc="-1" strike="noStrike">
               <a:latin typeface="Arial"/>
             </a:endParaRPr>
           </a:p>
@@ -5432,19 +4943,7 @@
             <a:normAutofit/>
           </a:bodyPr>
           <a:p>
-            <a:pPr>
-              <a:lnSpc>
-                <a:spcPct val="90000"/>
-              </a:lnSpc>
-              <a:spcBef>
-                <a:spcPts val="1417"/>
-              </a:spcBef>
-              <a:buNone/>
-            </a:pPr>
-            <a:endParaRPr b="0" lang="pt-BR" sz="2800" spc="-1" strike="noStrike">
-              <a:solidFill>
-                <a:srgbClr val="000000"/>
-              </a:solidFill>
+            <a:endParaRPr b="0" lang="pt-BR" sz="3200" spc="-1" strike="noStrike">
               <a:latin typeface="Arial"/>
             </a:endParaRPr>
           </a:p>
@@ -5478,19 +4977,7 @@
             <a:normAutofit/>
           </a:bodyPr>
           <a:p>
-            <a:pPr>
-              <a:lnSpc>
-                <a:spcPct val="90000"/>
-              </a:lnSpc>
-              <a:spcBef>
-                <a:spcPts val="1417"/>
-              </a:spcBef>
-              <a:buNone/>
-            </a:pPr>
-            <a:endParaRPr b="0" lang="pt-BR" sz="2800" spc="-1" strike="noStrike">
-              <a:solidFill>
-                <a:srgbClr val="000000"/>
-              </a:solidFill>
+            <a:endParaRPr b="0" lang="pt-BR" sz="3200" spc="-1" strike="noStrike">
               <a:latin typeface="Arial"/>
             </a:endParaRPr>
           </a:p>
@@ -5546,10 +5033,10 @@
             <a:noAutofit/>
           </a:bodyPr>
           <a:p>
-            <a:endParaRPr b="0" lang="pt-BR" sz="1800" spc="-1" strike="noStrike">
-              <a:solidFill>
-                <a:srgbClr val="000000"/>
-              </a:solidFill>
+            <a:pPr algn="ctr">
+              <a:buNone/>
+            </a:pPr>
+            <a:endParaRPr b="0" lang="pt-BR" sz="4400" spc="-1" strike="noStrike">
               <a:latin typeface="Arial"/>
             </a:endParaRPr>
           </a:p>
@@ -5605,10 +5092,10 @@
             <a:noAutofit/>
           </a:bodyPr>
           <a:p>
-            <a:endParaRPr b="0" lang="pt-BR" sz="1800" spc="-1" strike="noStrike">
-              <a:solidFill>
-                <a:srgbClr val="000000"/>
-              </a:solidFill>
+            <a:pPr algn="ctr">
+              <a:buNone/>
+            </a:pPr>
+            <a:endParaRPr b="0" lang="pt-BR" sz="4400" spc="-1" strike="noStrike">
               <a:latin typeface="Arial"/>
             </a:endParaRPr>
           </a:p>
@@ -5642,19 +5129,7 @@
             <a:normAutofit/>
           </a:bodyPr>
           <a:p>
-            <a:pPr>
-              <a:lnSpc>
-                <a:spcPct val="90000"/>
-              </a:lnSpc>
-              <a:spcBef>
-                <a:spcPts val="1417"/>
-              </a:spcBef>
-              <a:buNone/>
-            </a:pPr>
-            <a:endParaRPr b="0" lang="pt-BR" sz="2800" spc="-1" strike="noStrike">
-              <a:solidFill>
-                <a:srgbClr val="000000"/>
-              </a:solidFill>
+            <a:endParaRPr b="0" lang="pt-BR" sz="3200" spc="-1" strike="noStrike">
               <a:latin typeface="Arial"/>
             </a:endParaRPr>
           </a:p>
@@ -5769,10 +5244,10 @@
             <a:noAutofit/>
           </a:bodyPr>
           <a:p>
-            <a:endParaRPr b="0" lang="pt-BR" sz="1800" spc="-1" strike="noStrike">
-              <a:solidFill>
-                <a:srgbClr val="000000"/>
-              </a:solidFill>
+            <a:pPr algn="ctr">
+              <a:buNone/>
+            </a:pPr>
+            <a:endParaRPr b="0" lang="pt-BR" sz="4400" spc="-1" strike="noStrike">
               <a:latin typeface="Arial"/>
             </a:endParaRPr>
           </a:p>
@@ -5806,19 +5281,7 @@
             <a:normAutofit/>
           </a:bodyPr>
           <a:p>
-            <a:pPr>
-              <a:lnSpc>
-                <a:spcPct val="90000"/>
-              </a:lnSpc>
-              <a:spcBef>
-                <a:spcPts val="1417"/>
-              </a:spcBef>
-              <a:buNone/>
-            </a:pPr>
-            <a:endParaRPr b="0" lang="pt-BR" sz="2800" spc="-1" strike="noStrike">
-              <a:solidFill>
-                <a:srgbClr val="000000"/>
-              </a:solidFill>
+            <a:endParaRPr b="0" lang="pt-BR" sz="3200" spc="-1" strike="noStrike">
               <a:latin typeface="Arial"/>
             </a:endParaRPr>
           </a:p>
@@ -5852,19 +5315,7 @@
             <a:normAutofit/>
           </a:bodyPr>
           <a:p>
-            <a:pPr>
-              <a:lnSpc>
-                <a:spcPct val="90000"/>
-              </a:lnSpc>
-              <a:spcBef>
-                <a:spcPts val="1417"/>
-              </a:spcBef>
-              <a:buNone/>
-            </a:pPr>
-            <a:endParaRPr b="0" lang="pt-BR" sz="2800" spc="-1" strike="noStrike">
-              <a:solidFill>
-                <a:srgbClr val="000000"/>
-              </a:solidFill>
+            <a:endParaRPr b="0" lang="pt-BR" sz="3200" spc="-1" strike="noStrike">
               <a:latin typeface="Arial"/>
             </a:endParaRPr>
           </a:p>
@@ -5898,19 +5349,7 @@
             <a:normAutofit/>
           </a:bodyPr>
           <a:p>
-            <a:pPr>
-              <a:lnSpc>
-                <a:spcPct val="90000"/>
-              </a:lnSpc>
-              <a:spcBef>
-                <a:spcPts val="1417"/>
-              </a:spcBef>
-              <a:buNone/>
-            </a:pPr>
-            <a:endParaRPr b="0" lang="pt-BR" sz="2800" spc="-1" strike="noStrike">
-              <a:solidFill>
-                <a:srgbClr val="000000"/>
-              </a:solidFill>
+            <a:endParaRPr b="0" lang="pt-BR" sz="3200" spc="-1" strike="noStrike">
               <a:latin typeface="Arial"/>
             </a:endParaRPr>
           </a:p>
@@ -5966,10 +5405,10 @@
             <a:noAutofit/>
           </a:bodyPr>
           <a:p>
-            <a:endParaRPr b="0" lang="pt-BR" sz="1800" spc="-1" strike="noStrike">
-              <a:solidFill>
-                <a:srgbClr val="000000"/>
-              </a:solidFill>
+            <a:pPr algn="ctr">
+              <a:buNone/>
+            </a:pPr>
+            <a:endParaRPr b="0" lang="pt-BR" sz="4400" spc="-1" strike="noStrike">
               <a:latin typeface="Arial"/>
             </a:endParaRPr>
           </a:p>
@@ -6003,19 +5442,7 @@
             <a:normAutofit/>
           </a:bodyPr>
           <a:p>
-            <a:pPr>
-              <a:lnSpc>
-                <a:spcPct val="90000"/>
-              </a:lnSpc>
-              <a:spcBef>
-                <a:spcPts val="1417"/>
-              </a:spcBef>
-              <a:buNone/>
-            </a:pPr>
-            <a:endParaRPr b="0" lang="pt-BR" sz="2800" spc="-1" strike="noStrike">
-              <a:solidFill>
-                <a:srgbClr val="000000"/>
-              </a:solidFill>
+            <a:endParaRPr b="0" lang="pt-BR" sz="3200" spc="-1" strike="noStrike">
               <a:latin typeface="Arial"/>
             </a:endParaRPr>
           </a:p>
@@ -6049,19 +5476,7 @@
             <a:normAutofit/>
           </a:bodyPr>
           <a:p>
-            <a:pPr>
-              <a:lnSpc>
-                <a:spcPct val="90000"/>
-              </a:lnSpc>
-              <a:spcBef>
-                <a:spcPts val="1417"/>
-              </a:spcBef>
-              <a:buNone/>
-            </a:pPr>
-            <a:endParaRPr b="0" lang="pt-BR" sz="2800" spc="-1" strike="noStrike">
-              <a:solidFill>
-                <a:srgbClr val="000000"/>
-              </a:solidFill>
+            <a:endParaRPr b="0" lang="pt-BR" sz="3200" spc="-1" strike="noStrike">
               <a:latin typeface="Arial"/>
             </a:endParaRPr>
           </a:p>
@@ -6095,19 +5510,7 @@
             <a:normAutofit/>
           </a:bodyPr>
           <a:p>
-            <a:pPr>
-              <a:lnSpc>
-                <a:spcPct val="90000"/>
-              </a:lnSpc>
-              <a:spcBef>
-                <a:spcPts val="1417"/>
-              </a:spcBef>
-              <a:buNone/>
-            </a:pPr>
-            <a:endParaRPr b="0" lang="pt-BR" sz="2800" spc="-1" strike="noStrike">
-              <a:solidFill>
-                <a:srgbClr val="000000"/>
-              </a:solidFill>
+            <a:endParaRPr b="0" lang="pt-BR" sz="3200" spc="-1" strike="noStrike">
               <a:latin typeface="Arial"/>
             </a:endParaRPr>
           </a:p>
@@ -6163,10 +5566,10 @@
             <a:noAutofit/>
           </a:bodyPr>
           <a:p>
-            <a:endParaRPr b="0" lang="pt-BR" sz="1800" spc="-1" strike="noStrike">
-              <a:solidFill>
-                <a:srgbClr val="000000"/>
-              </a:solidFill>
+            <a:pPr algn="ctr">
+              <a:buNone/>
+            </a:pPr>
+            <a:endParaRPr b="0" lang="pt-BR" sz="4400" spc="-1" strike="noStrike">
               <a:latin typeface="Arial"/>
             </a:endParaRPr>
           </a:p>
@@ -6200,19 +5603,7 @@
             <a:normAutofit/>
           </a:bodyPr>
           <a:p>
-            <a:pPr>
-              <a:lnSpc>
-                <a:spcPct val="90000"/>
-              </a:lnSpc>
-              <a:spcBef>
-                <a:spcPts val="1417"/>
-              </a:spcBef>
-              <a:buNone/>
-            </a:pPr>
-            <a:endParaRPr b="0" lang="pt-BR" sz="2800" spc="-1" strike="noStrike">
-              <a:solidFill>
-                <a:srgbClr val="000000"/>
-              </a:solidFill>
+            <a:endParaRPr b="0" lang="pt-BR" sz="3200" spc="-1" strike="noStrike">
               <a:latin typeface="Arial"/>
             </a:endParaRPr>
           </a:p>
@@ -6246,19 +5637,7 @@
             <a:normAutofit/>
           </a:bodyPr>
           <a:p>
-            <a:pPr>
-              <a:lnSpc>
-                <a:spcPct val="90000"/>
-              </a:lnSpc>
-              <a:spcBef>
-                <a:spcPts val="1417"/>
-              </a:spcBef>
-              <a:buNone/>
-            </a:pPr>
-            <a:endParaRPr b="0" lang="pt-BR" sz="2800" spc="-1" strike="noStrike">
-              <a:solidFill>
-                <a:srgbClr val="000000"/>
-              </a:solidFill>
+            <a:endParaRPr b="0" lang="pt-BR" sz="3200" spc="-1" strike="noStrike">
               <a:latin typeface="Arial"/>
             </a:endParaRPr>
           </a:p>
@@ -6292,19 +5671,7 @@
             <a:normAutofit/>
           </a:bodyPr>
           <a:p>
-            <a:pPr>
-              <a:lnSpc>
-                <a:spcPct val="90000"/>
-              </a:lnSpc>
-              <a:spcBef>
-                <a:spcPts val="1417"/>
-              </a:spcBef>
-              <a:buNone/>
-            </a:pPr>
-            <a:endParaRPr b="0" lang="pt-BR" sz="2800" spc="-1" strike="noStrike">
-              <a:solidFill>
-                <a:srgbClr val="000000"/>
-              </a:solidFill>
+            <a:endParaRPr b="0" lang="pt-BR" sz="3200" spc="-1" strike="noStrike">
               <a:latin typeface="Arial"/>
             </a:endParaRPr>
           </a:p>
@@ -6360,10 +5727,10 @@
             <a:noAutofit/>
           </a:bodyPr>
           <a:p>
-            <a:endParaRPr b="0" lang="pt-BR" sz="1800" spc="-1" strike="noStrike">
-              <a:solidFill>
-                <a:srgbClr val="000000"/>
-              </a:solidFill>
+            <a:pPr algn="ctr">
+              <a:buNone/>
+            </a:pPr>
+            <a:endParaRPr b="0" lang="pt-BR" sz="4400" spc="-1" strike="noStrike">
               <a:latin typeface="Arial"/>
             </a:endParaRPr>
           </a:p>
@@ -6397,19 +5764,7 @@
             <a:normAutofit/>
           </a:bodyPr>
           <a:p>
-            <a:pPr>
-              <a:lnSpc>
-                <a:spcPct val="90000"/>
-              </a:lnSpc>
-              <a:spcBef>
-                <a:spcPts val="1417"/>
-              </a:spcBef>
-              <a:buNone/>
-            </a:pPr>
-            <a:endParaRPr b="0" lang="pt-BR" sz="2800" spc="-1" strike="noStrike">
-              <a:solidFill>
-                <a:srgbClr val="000000"/>
-              </a:solidFill>
+            <a:endParaRPr b="0" lang="pt-BR" sz="3200" spc="-1" strike="noStrike">
               <a:latin typeface="Arial"/>
             </a:endParaRPr>
           </a:p>
@@ -6443,19 +5798,7 @@
             <a:normAutofit/>
           </a:bodyPr>
           <a:p>
-            <a:pPr>
-              <a:lnSpc>
-                <a:spcPct val="90000"/>
-              </a:lnSpc>
-              <a:spcBef>
-                <a:spcPts val="1417"/>
-              </a:spcBef>
-              <a:buNone/>
-            </a:pPr>
-            <a:endParaRPr b="0" lang="pt-BR" sz="2800" spc="-1" strike="noStrike">
-              <a:solidFill>
-                <a:srgbClr val="000000"/>
-              </a:solidFill>
+            <a:endParaRPr b="0" lang="pt-BR" sz="3200" spc="-1" strike="noStrike">
               <a:latin typeface="Arial"/>
             </a:endParaRPr>
           </a:p>
@@ -6511,10 +5854,10 @@
             <a:noAutofit/>
           </a:bodyPr>
           <a:p>
-            <a:endParaRPr b="0" lang="pt-BR" sz="1800" spc="-1" strike="noStrike">
-              <a:solidFill>
-                <a:srgbClr val="000000"/>
-              </a:solidFill>
+            <a:pPr algn="ctr">
+              <a:buNone/>
+            </a:pPr>
+            <a:endParaRPr b="0" lang="pt-BR" sz="4400" spc="-1" strike="noStrike">
               <a:latin typeface="Arial"/>
             </a:endParaRPr>
           </a:p>
@@ -6548,19 +5891,7 @@
             <a:normAutofit/>
           </a:bodyPr>
           <a:p>
-            <a:pPr>
-              <a:lnSpc>
-                <a:spcPct val="90000"/>
-              </a:lnSpc>
-              <a:spcBef>
-                <a:spcPts val="1417"/>
-              </a:spcBef>
-              <a:buNone/>
-            </a:pPr>
-            <a:endParaRPr b="0" lang="pt-BR" sz="2800" spc="-1" strike="noStrike">
-              <a:solidFill>
-                <a:srgbClr val="000000"/>
-              </a:solidFill>
+            <a:endParaRPr b="0" lang="pt-BR" sz="3200" spc="-1" strike="noStrike">
               <a:latin typeface="Arial"/>
             </a:endParaRPr>
           </a:p>
@@ -6594,19 +5925,7 @@
             <a:normAutofit/>
           </a:bodyPr>
           <a:p>
-            <a:pPr>
-              <a:lnSpc>
-                <a:spcPct val="90000"/>
-              </a:lnSpc>
-              <a:spcBef>
-                <a:spcPts val="1417"/>
-              </a:spcBef>
-              <a:buNone/>
-            </a:pPr>
-            <a:endParaRPr b="0" lang="pt-BR" sz="2800" spc="-1" strike="noStrike">
-              <a:solidFill>
-                <a:srgbClr val="000000"/>
-              </a:solidFill>
+            <a:endParaRPr b="0" lang="pt-BR" sz="3200" spc="-1" strike="noStrike">
               <a:latin typeface="Arial"/>
             </a:endParaRPr>
           </a:p>
@@ -6640,19 +5959,7 @@
             <a:normAutofit/>
           </a:bodyPr>
           <a:p>
-            <a:pPr>
-              <a:lnSpc>
-                <a:spcPct val="90000"/>
-              </a:lnSpc>
-              <a:spcBef>
-                <a:spcPts val="1417"/>
-              </a:spcBef>
-              <a:buNone/>
-            </a:pPr>
-            <a:endParaRPr b="0" lang="pt-BR" sz="2800" spc="-1" strike="noStrike">
-              <a:solidFill>
-                <a:srgbClr val="000000"/>
-              </a:solidFill>
+            <a:endParaRPr b="0" lang="pt-BR" sz="3200" spc="-1" strike="noStrike">
               <a:latin typeface="Arial"/>
             </a:endParaRPr>
           </a:p>
@@ -6686,19 +5993,7 @@
             <a:normAutofit/>
           </a:bodyPr>
           <a:p>
-            <a:pPr>
-              <a:lnSpc>
-                <a:spcPct val="90000"/>
-              </a:lnSpc>
-              <a:spcBef>
-                <a:spcPts val="1417"/>
-              </a:spcBef>
-              <a:buNone/>
-            </a:pPr>
-            <a:endParaRPr b="0" lang="pt-BR" sz="2800" spc="-1" strike="noStrike">
-              <a:solidFill>
-                <a:srgbClr val="000000"/>
-              </a:solidFill>
+            <a:endParaRPr b="0" lang="pt-BR" sz="3200" spc="-1" strike="noStrike">
               <a:latin typeface="Arial"/>
             </a:endParaRPr>
           </a:p>
@@ -6754,10 +6049,10 @@
             <a:noAutofit/>
           </a:bodyPr>
           <a:p>
-            <a:endParaRPr b="0" lang="pt-BR" sz="1800" spc="-1" strike="noStrike">
-              <a:solidFill>
-                <a:srgbClr val="000000"/>
-              </a:solidFill>
+            <a:pPr algn="ctr">
+              <a:buNone/>
+            </a:pPr>
+            <a:endParaRPr b="0" lang="pt-BR" sz="4400" spc="-1" strike="noStrike">
               <a:latin typeface="Arial"/>
             </a:endParaRPr>
           </a:p>
@@ -6791,19 +6086,7 @@
             <a:normAutofit/>
           </a:bodyPr>
           <a:p>
-            <a:pPr>
-              <a:lnSpc>
-                <a:spcPct val="90000"/>
-              </a:lnSpc>
-              <a:spcBef>
-                <a:spcPts val="1417"/>
-              </a:spcBef>
-              <a:buNone/>
-            </a:pPr>
-            <a:endParaRPr b="0" lang="pt-BR" sz="2800" spc="-1" strike="noStrike">
-              <a:solidFill>
-                <a:srgbClr val="000000"/>
-              </a:solidFill>
+            <a:endParaRPr b="0" lang="pt-BR" sz="3200" spc="-1" strike="noStrike">
               <a:latin typeface="Arial"/>
             </a:endParaRPr>
           </a:p>
@@ -6837,19 +6120,7 @@
             <a:normAutofit/>
           </a:bodyPr>
           <a:p>
-            <a:pPr>
-              <a:lnSpc>
-                <a:spcPct val="90000"/>
-              </a:lnSpc>
-              <a:spcBef>
-                <a:spcPts val="1417"/>
-              </a:spcBef>
-              <a:buNone/>
-            </a:pPr>
-            <a:endParaRPr b="0" lang="pt-BR" sz="2800" spc="-1" strike="noStrike">
-              <a:solidFill>
-                <a:srgbClr val="000000"/>
-              </a:solidFill>
+            <a:endParaRPr b="0" lang="pt-BR" sz="3200" spc="-1" strike="noStrike">
               <a:latin typeface="Arial"/>
             </a:endParaRPr>
           </a:p>
@@ -6883,19 +6154,7 @@
             <a:normAutofit/>
           </a:bodyPr>
           <a:p>
-            <a:pPr>
-              <a:lnSpc>
-                <a:spcPct val="90000"/>
-              </a:lnSpc>
-              <a:spcBef>
-                <a:spcPts val="1417"/>
-              </a:spcBef>
-              <a:buNone/>
-            </a:pPr>
-            <a:endParaRPr b="0" lang="pt-BR" sz="2800" spc="-1" strike="noStrike">
-              <a:solidFill>
-                <a:srgbClr val="000000"/>
-              </a:solidFill>
+            <a:endParaRPr b="0" lang="pt-BR" sz="3200" spc="-1" strike="noStrike">
               <a:latin typeface="Arial"/>
             </a:endParaRPr>
           </a:p>
@@ -6929,19 +6188,7 @@
             <a:normAutofit/>
           </a:bodyPr>
           <a:p>
-            <a:pPr>
-              <a:lnSpc>
-                <a:spcPct val="90000"/>
-              </a:lnSpc>
-              <a:spcBef>
-                <a:spcPts val="1417"/>
-              </a:spcBef>
-              <a:buNone/>
-            </a:pPr>
-            <a:endParaRPr b="0" lang="pt-BR" sz="2800" spc="-1" strike="noStrike">
-              <a:solidFill>
-                <a:srgbClr val="000000"/>
-              </a:solidFill>
+            <a:endParaRPr b="0" lang="pt-BR" sz="3200" spc="-1" strike="noStrike">
               <a:latin typeface="Arial"/>
             </a:endParaRPr>
           </a:p>
@@ -6975,19 +6222,7 @@
             <a:normAutofit/>
           </a:bodyPr>
           <a:p>
-            <a:pPr>
-              <a:lnSpc>
-                <a:spcPct val="90000"/>
-              </a:lnSpc>
-              <a:spcBef>
-                <a:spcPts val="1417"/>
-              </a:spcBef>
-              <a:buNone/>
-            </a:pPr>
-            <a:endParaRPr b="0" lang="pt-BR" sz="2800" spc="-1" strike="noStrike">
-              <a:solidFill>
-                <a:srgbClr val="000000"/>
-              </a:solidFill>
+            <a:endParaRPr b="0" lang="pt-BR" sz="3200" spc="-1" strike="noStrike">
               <a:latin typeface="Arial"/>
             </a:endParaRPr>
           </a:p>
@@ -7021,19 +6256,7 @@
             <a:normAutofit/>
           </a:bodyPr>
           <a:p>
-            <a:pPr>
-              <a:lnSpc>
-                <a:spcPct val="90000"/>
-              </a:lnSpc>
-              <a:spcBef>
-                <a:spcPts val="1417"/>
-              </a:spcBef>
-              <a:buNone/>
-            </a:pPr>
-            <a:endParaRPr b="0" lang="pt-BR" sz="2800" spc="-1" strike="noStrike">
-              <a:solidFill>
-                <a:srgbClr val="000000"/>
-              </a:solidFill>
+            <a:endParaRPr b="0" lang="pt-BR" sz="3200" spc="-1" strike="noStrike">
               <a:latin typeface="Arial"/>
             </a:endParaRPr>
           </a:p>
@@ -7089,10 +6312,10 @@
             <a:noAutofit/>
           </a:bodyPr>
           <a:p>
-            <a:endParaRPr b="0" lang="pt-BR" sz="1800" spc="-1" strike="noStrike">
-              <a:solidFill>
-                <a:srgbClr val="000000"/>
-              </a:solidFill>
+            <a:pPr algn="ctr">
+              <a:buNone/>
+            </a:pPr>
+            <a:endParaRPr b="0" lang="pt-BR" sz="4400" spc="-1" strike="noStrike">
               <a:latin typeface="Arial"/>
             </a:endParaRPr>
           </a:p>
@@ -7126,19 +6349,7 @@
             <a:normAutofit/>
           </a:bodyPr>
           <a:p>
-            <a:pPr>
-              <a:lnSpc>
-                <a:spcPct val="90000"/>
-              </a:lnSpc>
-              <a:spcBef>
-                <a:spcPts val="1417"/>
-              </a:spcBef>
-              <a:buNone/>
-            </a:pPr>
-            <a:endParaRPr b="0" lang="pt-BR" sz="2800" spc="-1" strike="noStrike">
-              <a:solidFill>
-                <a:srgbClr val="000000"/>
-              </a:solidFill>
+            <a:endParaRPr b="0" lang="pt-BR" sz="3200" spc="-1" strike="noStrike">
               <a:latin typeface="Arial"/>
             </a:endParaRPr>
           </a:p>
@@ -7172,19 +6383,7 @@
             <a:normAutofit/>
           </a:bodyPr>
           <a:p>
-            <a:pPr>
-              <a:lnSpc>
-                <a:spcPct val="90000"/>
-              </a:lnSpc>
-              <a:spcBef>
-                <a:spcPts val="1417"/>
-              </a:spcBef>
-              <a:buNone/>
-            </a:pPr>
-            <a:endParaRPr b="0" lang="pt-BR" sz="2800" spc="-1" strike="noStrike">
-              <a:solidFill>
-                <a:srgbClr val="000000"/>
-              </a:solidFill>
+            <a:endParaRPr b="0" lang="pt-BR" sz="3200" spc="-1" strike="noStrike">
               <a:latin typeface="Arial"/>
             </a:endParaRPr>
           </a:p>
@@ -7240,10 +6439,10 @@
             <a:noAutofit/>
           </a:bodyPr>
           <a:p>
-            <a:endParaRPr b="0" lang="pt-BR" sz="1800" spc="-1" strike="noStrike">
-              <a:solidFill>
-                <a:srgbClr val="000000"/>
-              </a:solidFill>
+            <a:pPr algn="ctr">
+              <a:buNone/>
+            </a:pPr>
+            <a:endParaRPr b="0" lang="pt-BR" sz="4400" spc="-1" strike="noStrike">
               <a:latin typeface="Arial"/>
             </a:endParaRPr>
           </a:p>
@@ -7358,10 +6557,10 @@
             <a:noAutofit/>
           </a:bodyPr>
           <a:p>
-            <a:endParaRPr b="0" lang="pt-BR" sz="1800" spc="-1" strike="noStrike">
-              <a:solidFill>
-                <a:srgbClr val="000000"/>
-              </a:solidFill>
+            <a:pPr algn="ctr">
+              <a:buNone/>
+            </a:pPr>
+            <a:endParaRPr b="0" lang="pt-BR" sz="4400" spc="-1" strike="noStrike">
               <a:latin typeface="Arial"/>
             </a:endParaRPr>
           </a:p>
@@ -7395,19 +6594,7 @@
             <a:normAutofit/>
           </a:bodyPr>
           <a:p>
-            <a:pPr>
-              <a:lnSpc>
-                <a:spcPct val="90000"/>
-              </a:lnSpc>
-              <a:spcBef>
-                <a:spcPts val="1417"/>
-              </a:spcBef>
-              <a:buNone/>
-            </a:pPr>
-            <a:endParaRPr b="0" lang="pt-BR" sz="2800" spc="-1" strike="noStrike">
-              <a:solidFill>
-                <a:srgbClr val="000000"/>
-              </a:solidFill>
+            <a:endParaRPr b="0" lang="pt-BR" sz="3200" spc="-1" strike="noStrike">
               <a:latin typeface="Arial"/>
             </a:endParaRPr>
           </a:p>
@@ -7441,19 +6628,7 @@
             <a:normAutofit/>
           </a:bodyPr>
           <a:p>
-            <a:pPr>
-              <a:lnSpc>
-                <a:spcPct val="90000"/>
-              </a:lnSpc>
-              <a:spcBef>
-                <a:spcPts val="1417"/>
-              </a:spcBef>
-              <a:buNone/>
-            </a:pPr>
-            <a:endParaRPr b="0" lang="pt-BR" sz="2800" spc="-1" strike="noStrike">
-              <a:solidFill>
-                <a:srgbClr val="000000"/>
-              </a:solidFill>
+            <a:endParaRPr b="0" lang="pt-BR" sz="3200" spc="-1" strike="noStrike">
               <a:latin typeface="Arial"/>
             </a:endParaRPr>
           </a:p>
@@ -7487,19 +6662,7 @@
             <a:normAutofit/>
           </a:bodyPr>
           <a:p>
-            <a:pPr>
-              <a:lnSpc>
-                <a:spcPct val="90000"/>
-              </a:lnSpc>
-              <a:spcBef>
-                <a:spcPts val="1417"/>
-              </a:spcBef>
-              <a:buNone/>
-            </a:pPr>
-            <a:endParaRPr b="0" lang="pt-BR" sz="2800" spc="-1" strike="noStrike">
-              <a:solidFill>
-                <a:srgbClr val="000000"/>
-              </a:solidFill>
+            <a:endParaRPr b="0" lang="pt-BR" sz="3200" spc="-1" strike="noStrike">
               <a:latin typeface="Arial"/>
             </a:endParaRPr>
           </a:p>
@@ -7555,10 +6718,10 @@
             <a:noAutofit/>
           </a:bodyPr>
           <a:p>
-            <a:endParaRPr b="0" lang="pt-BR" sz="1800" spc="-1" strike="noStrike">
-              <a:solidFill>
-                <a:srgbClr val="000000"/>
-              </a:solidFill>
+            <a:pPr algn="ctr">
+              <a:buNone/>
+            </a:pPr>
+            <a:endParaRPr b="0" lang="pt-BR" sz="4400" spc="-1" strike="noStrike">
               <a:latin typeface="Arial"/>
             </a:endParaRPr>
           </a:p>
@@ -7592,19 +6755,7 @@
             <a:normAutofit/>
           </a:bodyPr>
           <a:p>
-            <a:pPr>
-              <a:lnSpc>
-                <a:spcPct val="90000"/>
-              </a:lnSpc>
-              <a:spcBef>
-                <a:spcPts val="1417"/>
-              </a:spcBef>
-              <a:buNone/>
-            </a:pPr>
-            <a:endParaRPr b="0" lang="pt-BR" sz="2800" spc="-1" strike="noStrike">
-              <a:solidFill>
-                <a:srgbClr val="000000"/>
-              </a:solidFill>
+            <a:endParaRPr b="0" lang="pt-BR" sz="3200" spc="-1" strike="noStrike">
               <a:latin typeface="Arial"/>
             </a:endParaRPr>
           </a:p>
@@ -7638,19 +6789,7 @@
             <a:normAutofit/>
           </a:bodyPr>
           <a:p>
-            <a:pPr>
-              <a:lnSpc>
-                <a:spcPct val="90000"/>
-              </a:lnSpc>
-              <a:spcBef>
-                <a:spcPts val="1417"/>
-              </a:spcBef>
-              <a:buNone/>
-            </a:pPr>
-            <a:endParaRPr b="0" lang="pt-BR" sz="2800" spc="-1" strike="noStrike">
-              <a:solidFill>
-                <a:srgbClr val="000000"/>
-              </a:solidFill>
+            <a:endParaRPr b="0" lang="pt-BR" sz="3200" spc="-1" strike="noStrike">
               <a:latin typeface="Arial"/>
             </a:endParaRPr>
           </a:p>
@@ -7684,19 +6823,7 @@
             <a:normAutofit/>
           </a:bodyPr>
           <a:p>
-            <a:pPr>
-              <a:lnSpc>
-                <a:spcPct val="90000"/>
-              </a:lnSpc>
-              <a:spcBef>
-                <a:spcPts val="1417"/>
-              </a:spcBef>
-              <a:buNone/>
-            </a:pPr>
-            <a:endParaRPr b="0" lang="pt-BR" sz="2800" spc="-1" strike="noStrike">
-              <a:solidFill>
-                <a:srgbClr val="000000"/>
-              </a:solidFill>
+            <a:endParaRPr b="0" lang="pt-BR" sz="3200" spc="-1" strike="noStrike">
               <a:latin typeface="Arial"/>
             </a:endParaRPr>
           </a:p>
@@ -7752,10 +6879,10 @@
             <a:noAutofit/>
           </a:bodyPr>
           <a:p>
-            <a:endParaRPr b="0" lang="pt-BR" sz="1800" spc="-1" strike="noStrike">
-              <a:solidFill>
-                <a:srgbClr val="000000"/>
-              </a:solidFill>
+            <a:pPr algn="ctr">
+              <a:buNone/>
+            </a:pPr>
+            <a:endParaRPr b="0" lang="pt-BR" sz="4400" spc="-1" strike="noStrike">
               <a:latin typeface="Arial"/>
             </a:endParaRPr>
           </a:p>
@@ -7789,19 +6916,7 @@
             <a:normAutofit/>
           </a:bodyPr>
           <a:p>
-            <a:pPr>
-              <a:lnSpc>
-                <a:spcPct val="90000"/>
-              </a:lnSpc>
-              <a:spcBef>
-                <a:spcPts val="1417"/>
-              </a:spcBef>
-              <a:buNone/>
-            </a:pPr>
-            <a:endParaRPr b="0" lang="pt-BR" sz="2800" spc="-1" strike="noStrike">
-              <a:solidFill>
-                <a:srgbClr val="000000"/>
-              </a:solidFill>
+            <a:endParaRPr b="0" lang="pt-BR" sz="3200" spc="-1" strike="noStrike">
               <a:latin typeface="Arial"/>
             </a:endParaRPr>
           </a:p>
@@ -7835,19 +6950,7 @@
             <a:normAutofit/>
           </a:bodyPr>
           <a:p>
-            <a:pPr>
-              <a:lnSpc>
-                <a:spcPct val="90000"/>
-              </a:lnSpc>
-              <a:spcBef>
-                <a:spcPts val="1417"/>
-              </a:spcBef>
-              <a:buNone/>
-            </a:pPr>
-            <a:endParaRPr b="0" lang="pt-BR" sz="2800" spc="-1" strike="noStrike">
-              <a:solidFill>
-                <a:srgbClr val="000000"/>
-              </a:solidFill>
+            <a:endParaRPr b="0" lang="pt-BR" sz="3200" spc="-1" strike="noStrike">
               <a:latin typeface="Arial"/>
             </a:endParaRPr>
           </a:p>
@@ -7881,19 +6984,7 @@
             <a:normAutofit/>
           </a:bodyPr>
           <a:p>
-            <a:pPr>
-              <a:lnSpc>
-                <a:spcPct val="90000"/>
-              </a:lnSpc>
-              <a:spcBef>
-                <a:spcPts val="1417"/>
-              </a:spcBef>
-              <a:buNone/>
-            </a:pPr>
-            <a:endParaRPr b="0" lang="pt-BR" sz="2800" spc="-1" strike="noStrike">
-              <a:solidFill>
-                <a:srgbClr val="000000"/>
-              </a:solidFill>
+            <a:endParaRPr b="0" lang="pt-BR" sz="3200" spc="-1" strike="noStrike">
               <a:latin typeface="Arial"/>
             </a:endParaRPr>
           </a:p>
@@ -7937,7 +7028,7 @@
         <p:spPr>
           <a:xfrm>
             <a:off x="0" y="3150000"/>
-            <a:ext cx="9712080" cy="1252080"/>
+            <a:ext cx="9711720" cy="1251720"/>
           </a:xfrm>
           <a:prstGeom prst="rect">
             <a:avLst/>
@@ -7969,7 +7060,7 @@
         <p:spPr>
           <a:xfrm>
             <a:off x="504000" y="301320"/>
-            <a:ext cx="9071640" cy="1261440"/>
+            <a:ext cx="9072000" cy="1261800"/>
           </a:xfrm>
           <a:prstGeom prst="rect">
             <a:avLst/>
@@ -7984,136 +7075,16 @@
             <a:noAutofit/>
           </a:bodyPr>
           <a:p>
+            <a:pPr algn="ctr">
+              <a:buNone/>
+            </a:pPr>
             <a:r>
               <a:rPr b="0" lang="pt-BR" sz="4400" spc="-1" strike="noStrike">
-                <a:solidFill>
-                  <a:srgbClr val="000000"/>
-                </a:solidFill>
                 <a:latin typeface="Arial"/>
               </a:rPr>
-              <a:t>Cli</a:t>
-            </a:r>
-            <a:r>
-              <a:rPr b="0" lang="pt-BR" sz="4400" spc="-1" strike="noStrike">
-                <a:solidFill>
-                  <a:srgbClr val="000000"/>
-                </a:solidFill>
-                <a:latin typeface="Arial"/>
-              </a:rPr>
-              <a:t>ck </a:t>
-            </a:r>
-            <a:r>
-              <a:rPr b="0" lang="pt-BR" sz="4400" spc="-1" strike="noStrike">
-                <a:solidFill>
-                  <a:srgbClr val="000000"/>
-                </a:solidFill>
-                <a:latin typeface="Arial"/>
-              </a:rPr>
-              <a:t>to </a:t>
-            </a:r>
-            <a:r>
-              <a:rPr b="0" lang="pt-BR" sz="4400" spc="-1" strike="noStrike">
-                <a:solidFill>
-                  <a:srgbClr val="000000"/>
-                </a:solidFill>
-                <a:latin typeface="Arial"/>
-              </a:rPr>
-              <a:t>edi</a:t>
-            </a:r>
-            <a:r>
-              <a:rPr b="0" lang="pt-BR" sz="4400" spc="-1" strike="noStrike">
-                <a:solidFill>
-                  <a:srgbClr val="000000"/>
-                </a:solidFill>
-                <a:latin typeface="Arial"/>
-              </a:rPr>
-              <a:t>t </a:t>
-            </a:r>
-            <a:r>
-              <a:rPr b="0" lang="pt-BR" sz="4400" spc="-1" strike="noStrike">
-                <a:solidFill>
-                  <a:srgbClr val="000000"/>
-                </a:solidFill>
-                <a:latin typeface="Arial"/>
-              </a:rPr>
-              <a:t>th</a:t>
-            </a:r>
-            <a:r>
-              <a:rPr b="0" lang="pt-BR" sz="4400" spc="-1" strike="noStrike">
-                <a:solidFill>
-                  <a:srgbClr val="000000"/>
-                </a:solidFill>
-                <a:latin typeface="Arial"/>
-              </a:rPr>
-              <a:t>e </a:t>
-            </a:r>
-            <a:r>
-              <a:rPr b="0" lang="pt-BR" sz="4400" spc="-1" strike="noStrike">
-                <a:solidFill>
-                  <a:srgbClr val="000000"/>
-                </a:solidFill>
-                <a:latin typeface="Arial"/>
-              </a:rPr>
-              <a:t>titl</a:t>
-            </a:r>
-            <a:r>
-              <a:rPr b="0" lang="pt-BR" sz="4400" spc="-1" strike="noStrike">
-                <a:solidFill>
-                  <a:srgbClr val="000000"/>
-                </a:solidFill>
-                <a:latin typeface="Arial"/>
-              </a:rPr>
-              <a:t>e </a:t>
-            </a:r>
-            <a:r>
-              <a:rPr b="0" lang="pt-BR" sz="4400" spc="-1" strike="noStrike">
-                <a:solidFill>
-                  <a:srgbClr val="000000"/>
-                </a:solidFill>
-                <a:latin typeface="Arial"/>
-              </a:rPr>
-              <a:t>tex</a:t>
-            </a:r>
-            <a:r>
-              <a:rPr b="0" lang="pt-BR" sz="4400" spc="-1" strike="noStrike">
-                <a:solidFill>
-                  <a:srgbClr val="000000"/>
-                </a:solidFill>
-                <a:latin typeface="Arial"/>
-              </a:rPr>
-              <a:t>t </a:t>
-            </a:r>
-            <a:r>
-              <a:rPr b="0" lang="pt-BR" sz="4400" spc="-1" strike="noStrike">
-                <a:solidFill>
-                  <a:srgbClr val="000000"/>
-                </a:solidFill>
-                <a:latin typeface="Arial"/>
-              </a:rPr>
-              <a:t>for</a:t>
-            </a:r>
-            <a:r>
-              <a:rPr b="0" lang="pt-BR" sz="4400" spc="-1" strike="noStrike">
-                <a:solidFill>
-                  <a:srgbClr val="000000"/>
-                </a:solidFill>
-                <a:latin typeface="Arial"/>
-              </a:rPr>
-              <a:t>m</a:t>
-            </a:r>
-            <a:r>
-              <a:rPr b="0" lang="pt-BR" sz="4400" spc="-1" strike="noStrike">
-                <a:solidFill>
-                  <a:srgbClr val="000000"/>
-                </a:solidFill>
-                <a:latin typeface="Arial"/>
-              </a:rPr>
-              <a:t>at</a:t>
+              <a:t>Click to edit the title text format</a:t>
             </a:r>
             <a:endParaRPr b="0" lang="pt-BR" sz="4400" spc="-1" strike="noStrike">
-              <a:solidFill>
-                <a:srgbClr val="000000"/>
-              </a:solidFill>
               <a:latin typeface="Arial"/>
             </a:endParaRPr>
           </a:p>
@@ -8132,7 +7103,7 @@
         <p:spPr>
           <a:xfrm>
             <a:off x="504000" y="1768680"/>
-            <a:ext cx="9071640" cy="4383720"/>
+            <a:ext cx="9072000" cy="4384080"/>
           </a:xfrm>
           <a:prstGeom prst="rect">
             <a:avLst/>
@@ -8148,9 +7119,6 @@
           </a:bodyPr>
           <a:p>
             <a:pPr marL="432000" indent="-324000">
-              <a:lnSpc>
-                <a:spcPct val="90000"/>
-              </a:lnSpc>
               <a:spcBef>
                 <a:spcPts val="1417"/>
               </a:spcBef>
@@ -8162,26 +7130,17 @@
               <a:buChar char=""/>
             </a:pPr>
             <a:r>
-              <a:rPr b="0" lang="pt-BR" sz="2800" spc="-1" strike="noStrike">
-                <a:solidFill>
-                  <a:srgbClr val="000000"/>
-                </a:solidFill>
+              <a:rPr b="0" lang="pt-BR" sz="3200" spc="-1" strike="noStrike">
                 <a:latin typeface="Arial"/>
               </a:rPr>
               <a:t>Click to edit the outline text format</a:t>
             </a:r>
-            <a:endParaRPr b="0" lang="pt-BR" sz="2800" spc="-1" strike="noStrike">
-              <a:solidFill>
-                <a:srgbClr val="000000"/>
-              </a:solidFill>
+            <a:endParaRPr b="0" lang="pt-BR" sz="3200" spc="-1" strike="noStrike">
               <a:latin typeface="Arial"/>
             </a:endParaRPr>
           </a:p>
           <a:p>
             <a:pPr lvl="1" marL="864000" indent="-324000">
-              <a:lnSpc>
-                <a:spcPct val="90000"/>
-              </a:lnSpc>
               <a:spcBef>
                 <a:spcPts val="1134"/>
               </a:spcBef>
@@ -8194,25 +7153,16 @@
             </a:pPr>
             <a:r>
               <a:rPr b="0" lang="pt-BR" sz="2800" spc="-1" strike="noStrike">
-                <a:solidFill>
-                  <a:srgbClr val="000000"/>
-                </a:solidFill>
                 <a:latin typeface="Arial"/>
               </a:rPr>
               <a:t>Second Outline Level</a:t>
             </a:r>
             <a:endParaRPr b="0" lang="pt-BR" sz="2800" spc="-1" strike="noStrike">
-              <a:solidFill>
-                <a:srgbClr val="000000"/>
-              </a:solidFill>
               <a:latin typeface="Arial"/>
             </a:endParaRPr>
           </a:p>
           <a:p>
             <a:pPr lvl="2" marL="1296000" indent="-288000">
-              <a:lnSpc>
-                <a:spcPct val="90000"/>
-              </a:lnSpc>
               <a:spcBef>
                 <a:spcPts val="850"/>
               </a:spcBef>
@@ -8224,26 +7174,17 @@
               <a:buChar char=""/>
             </a:pPr>
             <a:r>
-              <a:rPr b="0" lang="pt-BR" sz="2800" spc="-1" strike="noStrike">
-                <a:solidFill>
-                  <a:srgbClr val="000000"/>
-                </a:solidFill>
+              <a:rPr b="0" lang="pt-BR" sz="2400" spc="-1" strike="noStrike">
                 <a:latin typeface="Arial"/>
               </a:rPr>
               <a:t>Third Outline Level</a:t>
             </a:r>
-            <a:endParaRPr b="0" lang="pt-BR" sz="2800" spc="-1" strike="noStrike">
-              <a:solidFill>
-                <a:srgbClr val="000000"/>
-              </a:solidFill>
+            <a:endParaRPr b="0" lang="pt-BR" sz="2400" spc="-1" strike="noStrike">
               <a:latin typeface="Arial"/>
             </a:endParaRPr>
           </a:p>
           <a:p>
             <a:pPr lvl="3" marL="1728000" indent="-216000">
-              <a:lnSpc>
-                <a:spcPct val="90000"/>
-              </a:lnSpc>
               <a:spcBef>
                 <a:spcPts val="567"/>
               </a:spcBef>
@@ -8255,26 +7196,17 @@
               <a:buChar char=""/>
             </a:pPr>
             <a:r>
-              <a:rPr b="0" lang="pt-BR" sz="2800" spc="-1" strike="noStrike">
-                <a:solidFill>
-                  <a:srgbClr val="000000"/>
-                </a:solidFill>
+              <a:rPr b="0" lang="pt-BR" sz="2000" spc="-1" strike="noStrike">
                 <a:latin typeface="Arial"/>
               </a:rPr>
               <a:t>Fourth Outline Level</a:t>
             </a:r>
-            <a:endParaRPr b="0" lang="pt-BR" sz="2800" spc="-1" strike="noStrike">
-              <a:solidFill>
-                <a:srgbClr val="000000"/>
-              </a:solidFill>
+            <a:endParaRPr b="0" lang="pt-BR" sz="2000" spc="-1" strike="noStrike">
               <a:latin typeface="Arial"/>
             </a:endParaRPr>
           </a:p>
           <a:p>
             <a:pPr lvl="4" marL="2160000" indent="-216000">
-              <a:lnSpc>
-                <a:spcPct val="90000"/>
-              </a:lnSpc>
               <a:spcBef>
                 <a:spcPts val="283"/>
               </a:spcBef>
@@ -8286,26 +7218,17 @@
               <a:buChar char=""/>
             </a:pPr>
             <a:r>
-              <a:rPr b="0" lang="pt-BR" sz="2800" spc="-1" strike="noStrike">
-                <a:solidFill>
-                  <a:srgbClr val="000000"/>
-                </a:solidFill>
+              <a:rPr b="0" lang="pt-BR" sz="2000" spc="-1" strike="noStrike">
                 <a:latin typeface="Arial"/>
               </a:rPr>
               <a:t>Fifth Outline Level</a:t>
             </a:r>
-            <a:endParaRPr b="0" lang="pt-BR" sz="2800" spc="-1" strike="noStrike">
-              <a:solidFill>
-                <a:srgbClr val="000000"/>
-              </a:solidFill>
+            <a:endParaRPr b="0" lang="pt-BR" sz="2000" spc="-1" strike="noStrike">
               <a:latin typeface="Arial"/>
             </a:endParaRPr>
           </a:p>
           <a:p>
             <a:pPr lvl="5" marL="2592000" indent="-216000">
-              <a:lnSpc>
-                <a:spcPct val="90000"/>
-              </a:lnSpc>
               <a:spcBef>
                 <a:spcPts val="283"/>
               </a:spcBef>
@@ -8317,26 +7240,17 @@
               <a:buChar char=""/>
             </a:pPr>
             <a:r>
-              <a:rPr b="0" lang="pt-BR" sz="2800" spc="-1" strike="noStrike">
-                <a:solidFill>
-                  <a:srgbClr val="000000"/>
-                </a:solidFill>
+              <a:rPr b="0" lang="pt-BR" sz="2000" spc="-1" strike="noStrike">
                 <a:latin typeface="Arial"/>
               </a:rPr>
               <a:t>Sixth Outline Level</a:t>
             </a:r>
-            <a:endParaRPr b="0" lang="pt-BR" sz="2800" spc="-1" strike="noStrike">
-              <a:solidFill>
-                <a:srgbClr val="000000"/>
-              </a:solidFill>
+            <a:endParaRPr b="0" lang="pt-BR" sz="2000" spc="-1" strike="noStrike">
               <a:latin typeface="Arial"/>
             </a:endParaRPr>
           </a:p>
           <a:p>
             <a:pPr lvl="6" marL="3024000" indent="-216000">
-              <a:lnSpc>
-                <a:spcPct val="90000"/>
-              </a:lnSpc>
               <a:spcBef>
                 <a:spcPts val="283"/>
               </a:spcBef>
@@ -8348,18 +7262,12 @@
               <a:buChar char=""/>
             </a:pPr>
             <a:r>
-              <a:rPr b="0" lang="pt-BR" sz="2800" spc="-1" strike="noStrike">
-                <a:solidFill>
-                  <a:srgbClr val="000000"/>
-                </a:solidFill>
+              <a:rPr b="0" lang="pt-BR" sz="2000" spc="-1" strike="noStrike">
                 <a:latin typeface="Arial"/>
               </a:rPr>
               <a:t>Seventh Outline Level</a:t>
             </a:r>
-            <a:endParaRPr b="0" lang="pt-BR" sz="2800" spc="-1" strike="noStrike">
-              <a:solidFill>
-                <a:srgbClr val="000000"/>
-              </a:solidFill>
+            <a:endParaRPr b="0" lang="pt-BR" sz="2000" spc="-1" strike="noStrike">
               <a:latin typeface="Arial"/>
             </a:endParaRPr>
           </a:p>
@@ -8418,7 +7326,7 @@
         <p:spPr>
           <a:xfrm>
             <a:off x="0" y="180000"/>
-            <a:ext cx="9711720" cy="1251720"/>
+            <a:ext cx="9711360" cy="1251360"/>
           </a:xfrm>
           <a:prstGeom prst="rect">
             <a:avLst/>
@@ -8446,7 +7354,7 @@
         <p:spPr>
           <a:xfrm>
             <a:off x="7560000" y="6840000"/>
-            <a:ext cx="2511720" cy="531720"/>
+            <a:ext cx="2511360" cy="531360"/>
           </a:xfrm>
           <a:prstGeom prst="rect">
             <a:avLst/>
@@ -8474,7 +7382,7 @@
         <p:spPr>
           <a:xfrm>
             <a:off x="900000" y="6840000"/>
-            <a:ext cx="6471720" cy="531720"/>
+            <a:ext cx="6471360" cy="531360"/>
           </a:xfrm>
           <a:prstGeom prst="rect">
             <a:avLst/>
@@ -8502,7 +7410,7 @@
         <p:spPr>
           <a:xfrm>
             <a:off x="180000" y="6840000"/>
-            <a:ext cx="531720" cy="531720"/>
+            <a:ext cx="531360" cy="531360"/>
           </a:xfrm>
           <a:prstGeom prst="rect">
             <a:avLst/>
@@ -8548,81 +7456,12 @@
           </a:bodyPr>
           <a:p>
             <a:r>
-              <a:rPr b="0" lang="pt-BR" sz="4400" spc="-1" strike="noStrike">
-                <a:solidFill>
-                  <a:srgbClr val="000000"/>
-                </a:solidFill>
+              <a:rPr b="0" lang="pt-BR" sz="1800" spc="-1" strike="noStrike">
                 <a:latin typeface="Arial"/>
               </a:rPr>
-              <a:t>Clic</a:t>
-            </a:r>
-            <a:r>
-              <a:rPr b="0" lang="pt-BR" sz="4400" spc="-1" strike="noStrike">
-                <a:solidFill>
-                  <a:srgbClr val="000000"/>
-                </a:solidFill>
-                <a:latin typeface="Arial"/>
-              </a:rPr>
-              <a:t>k to </a:t>
-            </a:r>
-            <a:r>
-              <a:rPr b="0" lang="pt-BR" sz="4400" spc="-1" strike="noStrike">
-                <a:solidFill>
-                  <a:srgbClr val="000000"/>
-                </a:solidFill>
-                <a:latin typeface="Arial"/>
-              </a:rPr>
-              <a:t>edit </a:t>
-            </a:r>
-            <a:r>
-              <a:rPr b="0" lang="pt-BR" sz="4400" spc="-1" strike="noStrike">
-                <a:solidFill>
-                  <a:srgbClr val="000000"/>
-                </a:solidFill>
-                <a:latin typeface="Arial"/>
-              </a:rPr>
-              <a:t>the </a:t>
-            </a:r>
-            <a:r>
-              <a:rPr b="0" lang="pt-BR" sz="4400" spc="-1" strike="noStrike">
-                <a:solidFill>
-                  <a:srgbClr val="000000"/>
-                </a:solidFill>
-                <a:latin typeface="Arial"/>
-              </a:rPr>
-              <a:t>title </a:t>
-            </a:r>
-            <a:r>
-              <a:rPr b="0" lang="pt-BR" sz="4400" spc="-1" strike="noStrike">
-                <a:solidFill>
-                  <a:srgbClr val="000000"/>
-                </a:solidFill>
-                <a:latin typeface="Arial"/>
-              </a:rPr>
-              <a:t>text </a:t>
-            </a:r>
-            <a:r>
-              <a:rPr b="0" lang="pt-BR" sz="4400" spc="-1" strike="noStrike">
-                <a:solidFill>
-                  <a:srgbClr val="000000"/>
-                </a:solidFill>
-                <a:latin typeface="Arial"/>
-              </a:rPr>
-              <a:t>for</a:t>
-            </a:r>
-            <a:r>
-              <a:rPr b="0" lang="pt-BR" sz="4400" spc="-1" strike="noStrike">
-                <a:solidFill>
-                  <a:srgbClr val="000000"/>
-                </a:solidFill>
-                <a:latin typeface="Arial"/>
-              </a:rPr>
-              <a:t>mat</a:t>
-            </a:r>
-            <a:endParaRPr b="0" lang="pt-BR" sz="4400" spc="-1" strike="noStrike">
-              <a:solidFill>
-                <a:srgbClr val="000000"/>
-              </a:solidFill>
+              <a:t>Click to edit the title text format</a:t>
+            </a:r>
+            <a:endParaRPr b="0" lang="pt-BR" sz="1800" spc="-1" strike="noStrike">
               <a:latin typeface="Arial"/>
             </a:endParaRPr>
           </a:p>
@@ -8641,7 +7480,7 @@
         <p:spPr>
           <a:xfrm>
             <a:off x="504000" y="1768680"/>
-            <a:ext cx="9072000" cy="4384080"/>
+            <a:ext cx="9071640" cy="4383720"/>
           </a:xfrm>
           <a:prstGeom prst="rect">
             <a:avLst/>
@@ -8657,9 +7496,6 @@
           </a:bodyPr>
           <a:p>
             <a:pPr marL="432000" indent="-324000">
-              <a:lnSpc>
-                <a:spcPct val="90000"/>
-              </a:lnSpc>
               <a:spcBef>
                 <a:spcPts val="1417"/>
               </a:spcBef>
@@ -8671,26 +7507,17 @@
               <a:buChar char=""/>
             </a:pPr>
             <a:r>
-              <a:rPr b="0" lang="pt-BR" sz="2800" spc="-1" strike="noStrike">
-                <a:solidFill>
-                  <a:srgbClr val="000000"/>
-                </a:solidFill>
+              <a:rPr b="0" lang="pt-BR" sz="1800" spc="-1" strike="noStrike">
                 <a:latin typeface="Arial"/>
               </a:rPr>
               <a:t>Click to edit the outline text format</a:t>
             </a:r>
-            <a:endParaRPr b="0" lang="pt-BR" sz="2800" spc="-1" strike="noStrike">
-              <a:solidFill>
-                <a:srgbClr val="000000"/>
-              </a:solidFill>
+            <a:endParaRPr b="0" lang="pt-BR" sz="1800" spc="-1" strike="noStrike">
               <a:latin typeface="Arial"/>
             </a:endParaRPr>
           </a:p>
           <a:p>
             <a:pPr lvl="1" marL="864000" indent="-324000">
-              <a:lnSpc>
-                <a:spcPct val="90000"/>
-              </a:lnSpc>
               <a:spcBef>
                 <a:spcPts val="1134"/>
               </a:spcBef>
@@ -8702,26 +7529,17 @@
               <a:buChar char=""/>
             </a:pPr>
             <a:r>
-              <a:rPr b="0" lang="pt-BR" sz="2000" spc="-1" strike="noStrike">
-                <a:solidFill>
-                  <a:srgbClr val="000000"/>
-                </a:solidFill>
+              <a:rPr b="0" lang="pt-BR" sz="1800" spc="-1" strike="noStrike">
                 <a:latin typeface="Arial"/>
               </a:rPr>
               <a:t>Second Outline Level</a:t>
             </a:r>
-            <a:endParaRPr b="0" lang="pt-BR" sz="2000" spc="-1" strike="noStrike">
-              <a:solidFill>
-                <a:srgbClr val="000000"/>
-              </a:solidFill>
+            <a:endParaRPr b="0" lang="pt-BR" sz="1800" spc="-1" strike="noStrike">
               <a:latin typeface="Arial"/>
             </a:endParaRPr>
           </a:p>
           <a:p>
             <a:pPr lvl="2" marL="1296000" indent="-288000">
-              <a:lnSpc>
-                <a:spcPct val="90000"/>
-              </a:lnSpc>
               <a:spcBef>
                 <a:spcPts val="850"/>
               </a:spcBef>
@@ -8734,25 +7552,16 @@
             </a:pPr>
             <a:r>
               <a:rPr b="0" lang="pt-BR" sz="1800" spc="-1" strike="noStrike">
-                <a:solidFill>
-                  <a:srgbClr val="000000"/>
-                </a:solidFill>
                 <a:latin typeface="Arial"/>
               </a:rPr>
               <a:t>Third Outline Level</a:t>
             </a:r>
             <a:endParaRPr b="0" lang="pt-BR" sz="1800" spc="-1" strike="noStrike">
-              <a:solidFill>
-                <a:srgbClr val="000000"/>
-              </a:solidFill>
               <a:latin typeface="Arial"/>
             </a:endParaRPr>
           </a:p>
           <a:p>
             <a:pPr lvl="3" marL="1728000" indent="-216000">
-              <a:lnSpc>
-                <a:spcPct val="90000"/>
-              </a:lnSpc>
               <a:spcBef>
                 <a:spcPts val="567"/>
               </a:spcBef>
@@ -8765,25 +7574,16 @@
             </a:pPr>
             <a:r>
               <a:rPr b="0" lang="pt-BR" sz="1800" spc="-1" strike="noStrike">
-                <a:solidFill>
-                  <a:srgbClr val="000000"/>
-                </a:solidFill>
                 <a:latin typeface="Arial"/>
               </a:rPr>
               <a:t>Fourth Outline Level</a:t>
             </a:r>
             <a:endParaRPr b="0" lang="pt-BR" sz="1800" spc="-1" strike="noStrike">
-              <a:solidFill>
-                <a:srgbClr val="000000"/>
-              </a:solidFill>
               <a:latin typeface="Arial"/>
             </a:endParaRPr>
           </a:p>
           <a:p>
             <a:pPr lvl="4" marL="2160000" indent="-216000">
-              <a:lnSpc>
-                <a:spcPct val="90000"/>
-              </a:lnSpc>
               <a:spcBef>
                 <a:spcPts val="283"/>
               </a:spcBef>
@@ -8795,26 +7595,17 @@
               <a:buChar char=""/>
             </a:pPr>
             <a:r>
-              <a:rPr b="0" lang="pt-BR" sz="2000" spc="-1" strike="noStrike">
-                <a:solidFill>
-                  <a:srgbClr val="000000"/>
-                </a:solidFill>
+              <a:rPr b="0" lang="pt-BR" sz="1800" spc="-1" strike="noStrike">
                 <a:latin typeface="Arial"/>
               </a:rPr>
               <a:t>Fifth Outline Level</a:t>
             </a:r>
-            <a:endParaRPr b="0" lang="pt-BR" sz="2000" spc="-1" strike="noStrike">
-              <a:solidFill>
-                <a:srgbClr val="000000"/>
-              </a:solidFill>
+            <a:endParaRPr b="0" lang="pt-BR" sz="1800" spc="-1" strike="noStrike">
               <a:latin typeface="Arial"/>
             </a:endParaRPr>
           </a:p>
           <a:p>
             <a:pPr lvl="5" marL="2592000" indent="-216000">
-              <a:lnSpc>
-                <a:spcPct val="90000"/>
-              </a:lnSpc>
               <a:spcBef>
                 <a:spcPts val="283"/>
               </a:spcBef>
@@ -8826,26 +7617,17 @@
               <a:buChar char=""/>
             </a:pPr>
             <a:r>
-              <a:rPr b="0" lang="pt-BR" sz="2000" spc="-1" strike="noStrike">
-                <a:solidFill>
-                  <a:srgbClr val="000000"/>
-                </a:solidFill>
+              <a:rPr b="0" lang="pt-BR" sz="1800" spc="-1" strike="noStrike">
                 <a:latin typeface="Arial"/>
               </a:rPr>
               <a:t>Sixth Outline Level</a:t>
             </a:r>
-            <a:endParaRPr b="0" lang="pt-BR" sz="2000" spc="-1" strike="noStrike">
-              <a:solidFill>
-                <a:srgbClr val="000000"/>
-              </a:solidFill>
+            <a:endParaRPr b="0" lang="pt-BR" sz="1800" spc="-1" strike="noStrike">
               <a:latin typeface="Arial"/>
             </a:endParaRPr>
           </a:p>
           <a:p>
             <a:pPr lvl="6" marL="3024000" indent="-216000">
-              <a:lnSpc>
-                <a:spcPct val="90000"/>
-              </a:lnSpc>
               <a:spcBef>
                 <a:spcPts val="283"/>
               </a:spcBef>
@@ -8857,18 +7639,12 @@
               <a:buChar char=""/>
             </a:pPr>
             <a:r>
-              <a:rPr b="0" lang="pt-BR" sz="2000" spc="-1" strike="noStrike">
-                <a:solidFill>
-                  <a:srgbClr val="000000"/>
-                </a:solidFill>
+              <a:rPr b="0" lang="pt-BR" sz="1800" spc="-1" strike="noStrike">
                 <a:latin typeface="Arial"/>
               </a:rPr>
               <a:t>Seventh Outline Level</a:t>
             </a:r>
-            <a:endParaRPr b="0" lang="pt-BR" sz="2000" spc="-1" strike="noStrike">
-              <a:solidFill>
-                <a:srgbClr val="000000"/>
-              </a:solidFill>
+            <a:endParaRPr b="0" lang="pt-BR" sz="1800" spc="-1" strike="noStrike">
               <a:latin typeface="Arial"/>
             </a:endParaRPr>
           </a:p>
@@ -8927,7 +7703,7 @@
         <p:spPr>
           <a:xfrm>
             <a:off x="0" y="180000"/>
-            <a:ext cx="9712080" cy="1252080"/>
+            <a:ext cx="9711720" cy="1251720"/>
           </a:xfrm>
           <a:prstGeom prst="rect">
             <a:avLst/>
@@ -8955,7 +7731,7 @@
         <p:spPr>
           <a:xfrm>
             <a:off x="7560000" y="6840000"/>
-            <a:ext cx="2512080" cy="532080"/>
+            <a:ext cx="2511720" cy="531720"/>
           </a:xfrm>
           <a:prstGeom prst="rect">
             <a:avLst/>
@@ -8983,7 +7759,7 @@
         <p:spPr>
           <a:xfrm>
             <a:off x="900000" y="6840000"/>
-            <a:ext cx="6472080" cy="532080"/>
+            <a:ext cx="6471720" cy="531720"/>
           </a:xfrm>
           <a:prstGeom prst="rect">
             <a:avLst/>
@@ -9011,7 +7787,7 @@
         <p:spPr>
           <a:xfrm>
             <a:off x="180000" y="6840000"/>
-            <a:ext cx="532080" cy="532080"/>
+            <a:ext cx="531720" cy="531720"/>
           </a:xfrm>
           <a:prstGeom prst="rect">
             <a:avLst/>
@@ -9056,46 +7832,16 @@
             <a:noAutofit/>
           </a:bodyPr>
           <a:p>
-            <a:r>
-              <a:rPr b="0" lang="pt-BR" sz="1800" spc="-1" strike="noStrike">
-                <a:solidFill>
-                  <a:srgbClr val="000000"/>
-                </a:solidFill>
+            <a:pPr algn="ctr">
+              <a:buNone/>
+            </a:pPr>
+            <a:r>
+              <a:rPr b="0" lang="pt-BR" sz="4400" spc="-1" strike="noStrike">
                 <a:latin typeface="Arial"/>
               </a:rPr>
-              <a:t>Click to </a:t>
-            </a:r>
-            <a:r>
-              <a:rPr b="0" lang="pt-BR" sz="1800" spc="-1" strike="noStrike">
-                <a:solidFill>
-                  <a:srgbClr val="000000"/>
-                </a:solidFill>
-                <a:latin typeface="Arial"/>
-              </a:rPr>
-              <a:t>edit the </a:t>
-            </a:r>
-            <a:r>
-              <a:rPr b="0" lang="pt-BR" sz="1800" spc="-1" strike="noStrike">
-                <a:solidFill>
-                  <a:srgbClr val="000000"/>
-                </a:solidFill>
-                <a:latin typeface="Arial"/>
-              </a:rPr>
-              <a:t>title text </a:t>
-            </a:r>
-            <a:r>
-              <a:rPr b="0" lang="pt-BR" sz="1800" spc="-1" strike="noStrike">
-                <a:solidFill>
-                  <a:srgbClr val="000000"/>
-                </a:solidFill>
-                <a:latin typeface="Arial"/>
-              </a:rPr>
-              <a:t>format</a:t>
-            </a:r>
-            <a:endParaRPr b="0" lang="pt-BR" sz="1800" spc="-1" strike="noStrike">
-              <a:solidFill>
-                <a:srgbClr val="000000"/>
-              </a:solidFill>
+              <a:t>Click to edit the title text format</a:t>
+            </a:r>
+            <a:endParaRPr b="0" lang="pt-BR" sz="4400" spc="-1" strike="noStrike">
               <a:latin typeface="Arial"/>
             </a:endParaRPr>
           </a:p>
@@ -9130,9 +7876,6 @@
           </a:bodyPr>
           <a:p>
             <a:pPr marL="432000" indent="-324000">
-              <a:lnSpc>
-                <a:spcPct val="90000"/>
-              </a:lnSpc>
               <a:spcBef>
                 <a:spcPts val="1417"/>
               </a:spcBef>
@@ -9144,26 +7887,17 @@
               <a:buChar char=""/>
             </a:pPr>
             <a:r>
-              <a:rPr b="0" lang="pt-BR" sz="2800" spc="-1" strike="noStrike">
-                <a:solidFill>
-                  <a:srgbClr val="000000"/>
-                </a:solidFill>
+              <a:rPr b="0" lang="pt-BR" sz="3200" spc="-1" strike="noStrike">
                 <a:latin typeface="Arial"/>
               </a:rPr>
               <a:t>Click to edit the outline text format</a:t>
             </a:r>
-            <a:endParaRPr b="0" lang="pt-BR" sz="2800" spc="-1" strike="noStrike">
-              <a:solidFill>
-                <a:srgbClr val="000000"/>
-              </a:solidFill>
+            <a:endParaRPr b="0" lang="pt-BR" sz="3200" spc="-1" strike="noStrike">
               <a:latin typeface="Arial"/>
             </a:endParaRPr>
           </a:p>
           <a:p>
             <a:pPr lvl="1" marL="864000" indent="-324000">
-              <a:lnSpc>
-                <a:spcPct val="90000"/>
-              </a:lnSpc>
               <a:spcBef>
                 <a:spcPts val="1134"/>
               </a:spcBef>
@@ -9175,26 +7909,17 @@
               <a:buChar char=""/>
             </a:pPr>
             <a:r>
-              <a:rPr b="0" lang="pt-BR" sz="2000" spc="-1" strike="noStrike">
-                <a:solidFill>
-                  <a:srgbClr val="000000"/>
-                </a:solidFill>
+              <a:rPr b="0" lang="pt-BR" sz="2800" spc="-1" strike="noStrike">
                 <a:latin typeface="Arial"/>
               </a:rPr>
               <a:t>Second Outline Level</a:t>
             </a:r>
-            <a:endParaRPr b="0" lang="pt-BR" sz="2000" spc="-1" strike="noStrike">
-              <a:solidFill>
-                <a:srgbClr val="000000"/>
-              </a:solidFill>
+            <a:endParaRPr b="0" lang="pt-BR" sz="2800" spc="-1" strike="noStrike">
               <a:latin typeface="Arial"/>
             </a:endParaRPr>
           </a:p>
           <a:p>
             <a:pPr lvl="2" marL="1296000" indent="-288000">
-              <a:lnSpc>
-                <a:spcPct val="90000"/>
-              </a:lnSpc>
               <a:spcBef>
                 <a:spcPts val="850"/>
               </a:spcBef>
@@ -9206,26 +7931,17 @@
               <a:buChar char=""/>
             </a:pPr>
             <a:r>
-              <a:rPr b="0" lang="pt-BR" sz="1800" spc="-1" strike="noStrike">
-                <a:solidFill>
-                  <a:srgbClr val="000000"/>
-                </a:solidFill>
+              <a:rPr b="0" lang="pt-BR" sz="2400" spc="-1" strike="noStrike">
                 <a:latin typeface="Arial"/>
               </a:rPr>
               <a:t>Third Outline Level</a:t>
             </a:r>
-            <a:endParaRPr b="0" lang="pt-BR" sz="1800" spc="-1" strike="noStrike">
-              <a:solidFill>
-                <a:srgbClr val="000000"/>
-              </a:solidFill>
+            <a:endParaRPr b="0" lang="pt-BR" sz="2400" spc="-1" strike="noStrike">
               <a:latin typeface="Arial"/>
             </a:endParaRPr>
           </a:p>
           <a:p>
             <a:pPr lvl="3" marL="1728000" indent="-216000">
-              <a:lnSpc>
-                <a:spcPct val="90000"/>
-              </a:lnSpc>
               <a:spcBef>
                 <a:spcPts val="567"/>
               </a:spcBef>
@@ -9237,26 +7953,17 @@
               <a:buChar char=""/>
             </a:pPr>
             <a:r>
-              <a:rPr b="0" lang="pt-BR" sz="1800" spc="-1" strike="noStrike">
-                <a:solidFill>
-                  <a:srgbClr val="000000"/>
-                </a:solidFill>
+              <a:rPr b="0" lang="pt-BR" sz="2000" spc="-1" strike="noStrike">
                 <a:latin typeface="Arial"/>
               </a:rPr>
               <a:t>Fourth Outline Level</a:t>
             </a:r>
-            <a:endParaRPr b="0" lang="pt-BR" sz="1800" spc="-1" strike="noStrike">
-              <a:solidFill>
-                <a:srgbClr val="000000"/>
-              </a:solidFill>
+            <a:endParaRPr b="0" lang="pt-BR" sz="2000" spc="-1" strike="noStrike">
               <a:latin typeface="Arial"/>
             </a:endParaRPr>
           </a:p>
           <a:p>
             <a:pPr lvl="4" marL="2160000" indent="-216000">
-              <a:lnSpc>
-                <a:spcPct val="90000"/>
-              </a:lnSpc>
               <a:spcBef>
                 <a:spcPts val="283"/>
               </a:spcBef>
@@ -9269,25 +7976,16 @@
             </a:pPr>
             <a:r>
               <a:rPr b="0" lang="pt-BR" sz="2000" spc="-1" strike="noStrike">
-                <a:solidFill>
-                  <a:srgbClr val="000000"/>
-                </a:solidFill>
                 <a:latin typeface="Arial"/>
               </a:rPr>
               <a:t>Fifth Outline Level</a:t>
             </a:r>
             <a:endParaRPr b="0" lang="pt-BR" sz="2000" spc="-1" strike="noStrike">
-              <a:solidFill>
-                <a:srgbClr val="000000"/>
-              </a:solidFill>
               <a:latin typeface="Arial"/>
             </a:endParaRPr>
           </a:p>
           <a:p>
             <a:pPr lvl="5" marL="2592000" indent="-216000">
-              <a:lnSpc>
-                <a:spcPct val="90000"/>
-              </a:lnSpc>
               <a:spcBef>
                 <a:spcPts val="283"/>
               </a:spcBef>
@@ -9300,25 +7998,16 @@
             </a:pPr>
             <a:r>
               <a:rPr b="0" lang="pt-BR" sz="2000" spc="-1" strike="noStrike">
-                <a:solidFill>
-                  <a:srgbClr val="000000"/>
-                </a:solidFill>
                 <a:latin typeface="Arial"/>
               </a:rPr>
               <a:t>Sixth Outline Level</a:t>
             </a:r>
             <a:endParaRPr b="0" lang="pt-BR" sz="2000" spc="-1" strike="noStrike">
-              <a:solidFill>
-                <a:srgbClr val="000000"/>
-              </a:solidFill>
               <a:latin typeface="Arial"/>
             </a:endParaRPr>
           </a:p>
           <a:p>
             <a:pPr lvl="6" marL="3024000" indent="-216000">
-              <a:lnSpc>
-                <a:spcPct val="90000"/>
-              </a:lnSpc>
               <a:spcBef>
                 <a:spcPts val="283"/>
               </a:spcBef>
@@ -9331,17 +8020,11 @@
             </a:pPr>
             <a:r>
               <a:rPr b="0" lang="pt-BR" sz="2000" spc="-1" strike="noStrike">
-                <a:solidFill>
-                  <a:srgbClr val="000000"/>
-                </a:solidFill>
                 <a:latin typeface="Arial"/>
               </a:rPr>
               <a:t>Seventh Outline Level</a:t>
             </a:r>
             <a:endParaRPr b="0" lang="pt-BR" sz="2000" spc="-1" strike="noStrike">
-              <a:solidFill>
-                <a:srgbClr val="000000"/>
-              </a:solidFill>
               <a:latin typeface="Arial"/>
             </a:endParaRPr>
           </a:p>
@@ -9393,7 +8076,7 @@
         <p:spPr>
           <a:xfrm>
             <a:off x="360000" y="3330000"/>
-            <a:ext cx="9352080" cy="892080"/>
+            <a:ext cx="9351720" cy="891720"/>
           </a:xfrm>
           <a:prstGeom prst="rect">
             <a:avLst/>
@@ -9445,7 +8128,7 @@
         <p:spPr>
           <a:xfrm>
             <a:off x="540000" y="4680000"/>
-            <a:ext cx="9172080" cy="2512080"/>
+            <a:ext cx="9171720" cy="2511720"/>
           </a:xfrm>
           <a:prstGeom prst="rect">
             <a:avLst/>
@@ -9582,7 +8265,7 @@
         <p:spPr>
           <a:xfrm>
             <a:off x="360000" y="360000"/>
-            <a:ext cx="9352080" cy="892080"/>
+            <a:ext cx="9351720" cy="891720"/>
           </a:xfrm>
           <a:prstGeom prst="rect">
             <a:avLst/>
@@ -9634,7 +8317,7 @@
         <p:spPr>
           <a:xfrm>
             <a:off x="897120" y="6886080"/>
-            <a:ext cx="6439320" cy="357120"/>
+            <a:ext cx="6438960" cy="356760"/>
           </a:xfrm>
           <a:prstGeom prst="rect">
             <a:avLst/>
@@ -9686,7 +8369,7 @@
         <p:spPr>
           <a:xfrm>
             <a:off x="7608600" y="6886080"/>
-            <a:ext cx="2277360" cy="357120"/>
+            <a:ext cx="2277000" cy="356760"/>
           </a:xfrm>
           <a:prstGeom prst="rect">
             <a:avLst/>
@@ -9738,7 +8421,7 @@
         <p:spPr>
           <a:xfrm>
             <a:off x="360000" y="1980000"/>
-            <a:ext cx="9172080" cy="4672080"/>
+            <a:ext cx="9171720" cy="4671720"/>
           </a:xfrm>
           <a:prstGeom prst="rect">
             <a:avLst/>
@@ -9774,7 +8457,7 @@
               <a:buChar char=""/>
             </a:pPr>
             <a:r>
-              <a:rPr b="0" lang="pt-BR" sz="2400" spc="-1" strike="noStrike">
+              <a:rPr b="0" lang="pt-BR" sz="1800" spc="-1" strike="noStrike">
                 <a:solidFill>
                   <a:srgbClr val="1c1c1c"/>
                 </a:solidFill>
@@ -9783,7 +8466,7 @@
               </a:rPr>
               <a:t>Cite algumas situações em que podemos empregar expressões lógicas:</a:t>
             </a:r>
-            <a:endParaRPr b="0" lang="pt-BR" sz="2400" spc="-1" strike="noStrike">
+            <a:endParaRPr b="0" lang="pt-BR" sz="1800" spc="-1" strike="noStrike">
               <a:latin typeface="Arial"/>
             </a:endParaRPr>
           </a:p>
@@ -9830,7 +8513,7 @@
             </a:endParaRPr>
           </a:p>
           <a:p>
-            <a:pPr>
+            <a:pPr marL="921960">
               <a:lnSpc>
                 <a:spcPct val="60000"/>
               </a:lnSpc>
@@ -9844,7 +8527,7 @@
             </a:endParaRPr>
           </a:p>
           <a:p>
-            <a:pPr>
+            <a:pPr marL="921960">
               <a:lnSpc>
                 <a:spcPct val="60000"/>
               </a:lnSpc>
@@ -9858,7 +8541,7 @@
             </a:endParaRPr>
           </a:p>
           <a:p>
-            <a:pPr>
+            <a:pPr marL="921960">
               <a:lnSpc>
                 <a:spcPct val="100000"/>
               </a:lnSpc>
@@ -9872,7 +8555,7 @@
             </a:endParaRPr>
           </a:p>
           <a:p>
-            <a:pPr>
+            <a:pPr marL="921960">
               <a:lnSpc>
                 <a:spcPct val="100000"/>
               </a:lnSpc>
@@ -9926,7 +8609,7 @@
         <p:spPr>
           <a:xfrm>
             <a:off x="360000" y="360000"/>
-            <a:ext cx="9352080" cy="892080"/>
+            <a:ext cx="9351720" cy="891720"/>
           </a:xfrm>
           <a:prstGeom prst="rect">
             <a:avLst/>
@@ -9978,7 +8661,7 @@
         <p:spPr>
           <a:xfrm>
             <a:off x="897120" y="6886080"/>
-            <a:ext cx="6439320" cy="357120"/>
+            <a:ext cx="6438960" cy="356760"/>
           </a:xfrm>
           <a:prstGeom prst="rect">
             <a:avLst/>
@@ -10030,7 +8713,7 @@
         <p:spPr>
           <a:xfrm>
             <a:off x="7608600" y="6886080"/>
-            <a:ext cx="2277360" cy="357120"/>
+            <a:ext cx="2277000" cy="356760"/>
           </a:xfrm>
           <a:prstGeom prst="rect">
             <a:avLst/>
@@ -10082,7 +8765,7 @@
         <p:spPr>
           <a:xfrm>
             <a:off x="360000" y="1876680"/>
-            <a:ext cx="9172080" cy="4915440"/>
+            <a:ext cx="9171720" cy="4915080"/>
           </a:xfrm>
           <a:prstGeom prst="rect">
             <a:avLst/>
@@ -10540,7 +9223,7 @@
         <p:spPr>
           <a:xfrm>
             <a:off x="360000" y="1899360"/>
-            <a:ext cx="9172080" cy="4672080"/>
+            <a:ext cx="9171720" cy="4671720"/>
           </a:xfrm>
           <a:prstGeom prst="rect">
             <a:avLst/>
@@ -10632,7 +9315,7 @@
             </a:endParaRPr>
           </a:p>
           <a:p>
-            <a:pPr>
+            <a:pPr marL="921960">
               <a:lnSpc>
                 <a:spcPct val="60000"/>
               </a:lnSpc>
@@ -10646,7 +9329,7 @@
             </a:endParaRPr>
           </a:p>
           <a:p>
-            <a:pPr>
+            <a:pPr marL="921960">
               <a:lnSpc>
                 <a:spcPct val="60000"/>
               </a:lnSpc>
@@ -10660,7 +9343,7 @@
             </a:endParaRPr>
           </a:p>
           <a:p>
-            <a:pPr>
+            <a:pPr marL="921960">
               <a:lnSpc>
                 <a:spcPct val="100000"/>
               </a:lnSpc>
@@ -10674,7 +9357,7 @@
             </a:endParaRPr>
           </a:p>
           <a:p>
-            <a:pPr>
+            <a:pPr marL="921960">
               <a:lnSpc>
                 <a:spcPct val="100000"/>
               </a:lnSpc>
@@ -10698,7 +9381,7 @@
         <p:spPr>
           <a:xfrm>
             <a:off x="360000" y="360000"/>
-            <a:ext cx="9352080" cy="892080"/>
+            <a:ext cx="9351720" cy="891720"/>
           </a:xfrm>
           <a:prstGeom prst="rect">
             <a:avLst/>
@@ -10750,7 +9433,7 @@
         <p:spPr>
           <a:xfrm>
             <a:off x="897120" y="6886080"/>
-            <a:ext cx="6439320" cy="357120"/>
+            <a:ext cx="6438960" cy="356760"/>
           </a:xfrm>
           <a:prstGeom prst="rect">
             <a:avLst/>
@@ -10802,7 +9485,7 @@
         <p:spPr>
           <a:xfrm>
             <a:off x="7608600" y="6886080"/>
-            <a:ext cx="2277360" cy="357120"/>
+            <a:ext cx="2277000" cy="356760"/>
           </a:xfrm>
           <a:prstGeom prst="rect">
             <a:avLst/>
@@ -10854,7 +9537,7 @@
         <p:spPr>
           <a:xfrm>
             <a:off x="4026600" y="2912040"/>
-            <a:ext cx="3381840" cy="360360"/>
+            <a:ext cx="3381480" cy="360000"/>
           </a:xfrm>
           <a:prstGeom prst="rect">
             <a:avLst/>
@@ -10880,7 +9563,7 @@
         <p:spPr>
           <a:xfrm>
             <a:off x="4680720" y="2883600"/>
-            <a:ext cx="160560" cy="672480"/>
+            <a:ext cx="160200" cy="672120"/>
           </a:xfrm>
           <a:prstGeom prst="downArrow">
             <a:avLst>
@@ -10914,7 +9597,7 @@
         <p:spPr>
           <a:xfrm>
             <a:off x="4680000" y="4570920"/>
-            <a:ext cx="161280" cy="2115000"/>
+            <a:ext cx="160920" cy="2114640"/>
           </a:xfrm>
           <a:prstGeom prst="downArrow">
             <a:avLst>
@@ -10948,7 +9631,7 @@
         <p:spPr>
           <a:xfrm>
             <a:off x="4137840" y="2447640"/>
-            <a:ext cx="1216440" cy="597960"/>
+            <a:ext cx="1216080" cy="597600"/>
           </a:xfrm>
           <a:prstGeom prst="rect">
             <a:avLst/>
@@ -11025,8 +9708,8 @@
         </p:nvSpPr>
         <p:spPr>
           <a:xfrm flipH="1" rot="10800000">
-            <a:off x="19792440" y="11128680"/>
-            <a:ext cx="699480" cy="356040"/>
+            <a:off x="19792800" y="11129040"/>
+            <a:ext cx="699120" cy="355680"/>
           </a:xfrm>
           <a:prstGeom prst="bentUpArrow">
             <a:avLst>
@@ -11061,7 +9744,7 @@
         <p:spPr>
           <a:xfrm>
             <a:off x="2693520" y="4693320"/>
-            <a:ext cx="1130040" cy="403920"/>
+            <a:ext cx="1129680" cy="403560"/>
           </a:xfrm>
           <a:prstGeom prst="rect">
             <a:avLst/>
@@ -11118,7 +9801,7 @@
         <p:spPr>
           <a:xfrm>
             <a:off x="4210560" y="5707440"/>
-            <a:ext cx="1094400" cy="597960"/>
+            <a:ext cx="1094040" cy="597600"/>
           </a:xfrm>
           <a:prstGeom prst="rect">
             <a:avLst/>
@@ -11174,8 +9857,8 @@
         </p:nvSpPr>
         <p:spPr>
           <a:xfrm rot="10800000">
-            <a:off x="17886960" y="11128680"/>
-            <a:ext cx="735840" cy="356040"/>
+            <a:off x="17887320" y="11129040"/>
+            <a:ext cx="735480" cy="355680"/>
           </a:xfrm>
           <a:prstGeom prst="bentUpArrow">
             <a:avLst>
@@ -11210,7 +9893,7 @@
         <p:spPr>
           <a:xfrm>
             <a:off x="5718600" y="4693320"/>
-            <a:ext cx="1206360" cy="403920"/>
+            <a:ext cx="1206000" cy="403560"/>
           </a:xfrm>
           <a:prstGeom prst="rect">
             <a:avLst/>
@@ -11267,7 +9950,7 @@
         <p:spPr>
           <a:xfrm>
             <a:off x="3823920" y="3556440"/>
-            <a:ext cx="1889640" cy="1074240"/>
+            <a:ext cx="1889280" cy="1073880"/>
           </a:xfrm>
           <a:prstGeom prst="diamond">
             <a:avLst/>
@@ -11323,8 +10006,8 @@
         </p:nvSpPr>
         <p:spPr>
           <a:xfrm flipV="1" rot="10800000">
-            <a:off x="3259080" y="4094280"/>
-            <a:ext cx="564840" cy="599040"/>
+            <a:off x="3259440" y="4093920"/>
+            <a:ext cx="564480" cy="598680"/>
           </a:xfrm>
           <a:prstGeom prst="bentConnector2">
             <a:avLst/>
@@ -11358,8 +10041,8 @@
         </p:nvSpPr>
         <p:spPr>
           <a:xfrm flipH="1" rot="16200000">
-            <a:off x="3744000" y="4611960"/>
-            <a:ext cx="449640" cy="1420920"/>
+            <a:off x="3744360" y="4611960"/>
+            <a:ext cx="449280" cy="1420560"/>
           </a:xfrm>
           <a:prstGeom prst="bentConnector2">
             <a:avLst/>
@@ -11394,7 +10077,7 @@
         <p:spPr>
           <a:xfrm>
             <a:off x="5713920" y="4093560"/>
-            <a:ext cx="607680" cy="599040"/>
+            <a:ext cx="607320" cy="598680"/>
           </a:xfrm>
           <a:prstGeom prst="bentConnector2">
             <a:avLst/>
@@ -11428,8 +10111,8 @@
         </p:nvSpPr>
         <p:spPr>
           <a:xfrm rot="5400000">
-            <a:off x="5353200" y="4578480"/>
-            <a:ext cx="449640" cy="1487880"/>
+            <a:off x="5353560" y="4578480"/>
+            <a:ext cx="449280" cy="1487520"/>
           </a:xfrm>
           <a:prstGeom prst="bentConnector2">
             <a:avLst/>
@@ -11464,7 +10147,7 @@
         <p:spPr>
           <a:xfrm>
             <a:off x="2872440" y="3736080"/>
-            <a:ext cx="735840" cy="357120"/>
+            <a:ext cx="735480" cy="356760"/>
           </a:xfrm>
           <a:prstGeom prst="rect">
             <a:avLst/>
@@ -11516,7 +10199,7 @@
         <p:spPr>
           <a:xfrm>
             <a:off x="5911200" y="3754080"/>
-            <a:ext cx="811080" cy="357120"/>
+            <a:ext cx="810720" cy="356760"/>
           </a:xfrm>
           <a:prstGeom prst="rect">
             <a:avLst/>
@@ -11598,7 +10281,7 @@
         <p:spPr>
           <a:xfrm>
             <a:off x="360000" y="360000"/>
-            <a:ext cx="9352080" cy="892080"/>
+            <a:ext cx="9351720" cy="891720"/>
           </a:xfrm>
           <a:prstGeom prst="rect">
             <a:avLst/>
@@ -11650,7 +10333,7 @@
         <p:spPr>
           <a:xfrm>
             <a:off x="897120" y="6886080"/>
-            <a:ext cx="6439320" cy="357120"/>
+            <a:ext cx="6438960" cy="356760"/>
           </a:xfrm>
           <a:prstGeom prst="rect">
             <a:avLst/>
@@ -11702,7 +10385,7 @@
         <p:spPr>
           <a:xfrm>
             <a:off x="7608600" y="6886080"/>
-            <a:ext cx="2277360" cy="357120"/>
+            <a:ext cx="2277000" cy="356760"/>
           </a:xfrm>
           <a:prstGeom prst="rect">
             <a:avLst/>
@@ -11754,7 +10437,7 @@
         <p:spPr>
           <a:xfrm>
             <a:off x="4026600" y="2912040"/>
-            <a:ext cx="3381840" cy="360360"/>
+            <a:ext cx="3381480" cy="360000"/>
           </a:xfrm>
           <a:prstGeom prst="rect">
             <a:avLst/>
@@ -11779,8 +10462,8 @@
         </p:nvSpPr>
         <p:spPr>
           <a:xfrm flipH="1" rot="16200000">
-            <a:off x="2738160" y="4174560"/>
-            <a:ext cx="400320" cy="1756800"/>
+            <a:off x="2737800" y="4174560"/>
+            <a:ext cx="399960" cy="1756440"/>
           </a:xfrm>
           <a:prstGeom prst="bentUpArrow">
             <a:avLst>
@@ -11815,7 +10498,7 @@
         <p:spPr>
           <a:xfrm>
             <a:off x="431640" y="1759680"/>
-            <a:ext cx="9172440" cy="4748760"/>
+            <a:ext cx="9172080" cy="4748400"/>
           </a:xfrm>
           <a:prstGeom prst="rect">
             <a:avLst/>
@@ -12031,7 +10714,7 @@
         <p:spPr>
           <a:xfrm>
             <a:off x="2612880" y="2884320"/>
-            <a:ext cx="129240" cy="556560"/>
+            <a:ext cx="128880" cy="556200"/>
           </a:xfrm>
           <a:prstGeom prst="downArrow">
             <a:avLst>
@@ -12065,7 +10748,7 @@
         <p:spPr>
           <a:xfrm>
             <a:off x="2612160" y="4464000"/>
-            <a:ext cx="154080" cy="2033640"/>
+            <a:ext cx="153720" cy="2033280"/>
           </a:xfrm>
           <a:prstGeom prst="downArrow">
             <a:avLst>
@@ -12099,7 +10782,7 @@
         <p:spPr>
           <a:xfrm>
             <a:off x="2069640" y="2286000"/>
-            <a:ext cx="1216440" cy="597960"/>
+            <a:ext cx="1216080" cy="597600"/>
           </a:xfrm>
           <a:prstGeom prst="rect">
             <a:avLst/>
@@ -12176,8 +10859,8 @@
         </p:nvSpPr>
         <p:spPr>
           <a:xfrm flipH="1" rot="10800000">
-            <a:off x="16850520" y="11128680"/>
-            <a:ext cx="699480" cy="356040"/>
+            <a:off x="16850880" y="11129040"/>
+            <a:ext cx="699120" cy="355680"/>
           </a:xfrm>
           <a:prstGeom prst="bentUpArrow">
             <a:avLst>
@@ -12212,7 +10895,7 @@
         <p:spPr>
           <a:xfrm>
             <a:off x="761040" y="4635720"/>
-            <a:ext cx="1130040" cy="404280"/>
+            <a:ext cx="1129680" cy="403920"/>
           </a:xfrm>
           <a:prstGeom prst="rect">
             <a:avLst/>
@@ -12269,7 +10952,7 @@
         <p:spPr>
           <a:xfrm>
             <a:off x="986760" y="3582000"/>
-            <a:ext cx="735840" cy="357120"/>
+            <a:ext cx="735480" cy="356760"/>
           </a:xfrm>
           <a:prstGeom prst="rect">
             <a:avLst/>
@@ -12321,7 +11004,7 @@
         <p:spPr>
           <a:xfrm>
             <a:off x="2142720" y="5478840"/>
-            <a:ext cx="1094400" cy="597960"/>
+            <a:ext cx="1094040" cy="597600"/>
           </a:xfrm>
           <a:prstGeom prst="rect">
             <a:avLst/>
@@ -12378,7 +11061,7 @@
         <p:spPr>
           <a:xfrm>
             <a:off x="1756080" y="3448800"/>
-            <a:ext cx="1889640" cy="1074240"/>
+            <a:ext cx="1889280" cy="1073880"/>
           </a:xfrm>
           <a:prstGeom prst="diamond">
             <a:avLst/>
@@ -12435,7 +11118,7 @@
         <p:spPr>
           <a:xfrm>
             <a:off x="7338240" y="2286000"/>
-            <a:ext cx="1755360" cy="3979800"/>
+            <a:ext cx="1755000" cy="3979440"/>
           </a:xfrm>
           <a:prstGeom prst="rect">
             <a:avLst/>
@@ -12670,8 +11353,8 @@
         </p:nvSpPr>
         <p:spPr>
           <a:xfrm flipV="1" rot="10800000">
-            <a:off x="1326600" y="3985920"/>
-            <a:ext cx="429480" cy="649080"/>
+            <a:off x="1326960" y="3986280"/>
+            <a:ext cx="429120" cy="648720"/>
           </a:xfrm>
           <a:prstGeom prst="bentConnector2">
             <a:avLst/>
@@ -12705,8 +11388,8 @@
         </p:nvSpPr>
         <p:spPr>
           <a:xfrm flipH="1" rot="16200000">
-            <a:off x="1880280" y="4486320"/>
-            <a:ext cx="212760" cy="1320480"/>
+            <a:off x="1879920" y="4486320"/>
+            <a:ext cx="212400" cy="1320120"/>
           </a:xfrm>
           <a:prstGeom prst="bentConnector2">
             <a:avLst/>
@@ -12741,7 +11424,7 @@
         <p:spPr>
           <a:xfrm>
             <a:off x="4246200" y="3255120"/>
-            <a:ext cx="2332440" cy="1582560"/>
+            <a:ext cx="2332080" cy="1582200"/>
           </a:xfrm>
           <a:prstGeom prst="rightArrow">
             <a:avLst>
@@ -12838,7 +11521,7 @@
         <p:spPr>
           <a:xfrm>
             <a:off x="360000" y="360000"/>
-            <a:ext cx="9352080" cy="892080"/>
+            <a:ext cx="9351720" cy="891720"/>
           </a:xfrm>
           <a:prstGeom prst="rect">
             <a:avLst/>
@@ -12890,7 +11573,7 @@
         <p:spPr>
           <a:xfrm>
             <a:off x="897120" y="6886080"/>
-            <a:ext cx="6439320" cy="357120"/>
+            <a:ext cx="6438960" cy="356760"/>
           </a:xfrm>
           <a:prstGeom prst="rect">
             <a:avLst/>
@@ -12942,7 +11625,7 @@
         <p:spPr>
           <a:xfrm>
             <a:off x="7608600" y="6886080"/>
-            <a:ext cx="2277360" cy="357120"/>
+            <a:ext cx="2277000" cy="356760"/>
           </a:xfrm>
           <a:prstGeom prst="rect">
             <a:avLst/>
@@ -12994,7 +11677,7 @@
         <p:spPr>
           <a:xfrm>
             <a:off x="4026600" y="2912040"/>
-            <a:ext cx="3381840" cy="360360"/>
+            <a:ext cx="3381480" cy="360000"/>
           </a:xfrm>
           <a:prstGeom prst="rect">
             <a:avLst/>
@@ -13019,8 +11702,8 @@
         </p:nvSpPr>
         <p:spPr>
           <a:xfrm flipH="1" rot="16200000">
-            <a:off x="2401920" y="4174560"/>
-            <a:ext cx="400320" cy="1756800"/>
+            <a:off x="2401560" y="4174560"/>
+            <a:ext cx="399960" cy="1756440"/>
           </a:xfrm>
           <a:prstGeom prst="bentUpArrow">
             <a:avLst>
@@ -13055,7 +11738,7 @@
         <p:spPr>
           <a:xfrm>
             <a:off x="503640" y="1759680"/>
-            <a:ext cx="9172440" cy="4748760"/>
+            <a:ext cx="9172080" cy="4748400"/>
           </a:xfrm>
           <a:prstGeom prst="rect">
             <a:avLst/>
@@ -13093,7 +11776,7 @@
               <a:buChar char="•"/>
             </a:pPr>
             <a:r>
-              <a:rPr b="0" lang="pt-BR" sz="2000" spc="-1" strike="noStrike">
+              <a:rPr b="0" lang="pt-BR" sz="1800" spc="-1" strike="noStrike">
                 <a:solidFill>
                   <a:srgbClr val="1c1c1c"/>
                 </a:solidFill>
@@ -13102,7 +11785,7 @@
               </a:rPr>
               <a:t>Pode-se adicionar um desvio condicional caso a condição seja falsa! (ELSE)</a:t>
             </a:r>
-            <a:endParaRPr b="0" lang="pt-BR" sz="2000" spc="-1" strike="noStrike">
+            <a:endParaRPr b="0" lang="pt-BR" sz="1800" spc="-1" strike="noStrike">
               <a:latin typeface="Arial"/>
             </a:endParaRPr>
           </a:p>
@@ -13172,8 +11855,8 @@
         </p:nvSpPr>
         <p:spPr>
           <a:xfrm flipH="1" rot="10800000">
-            <a:off x="17998560" y="11128680"/>
-            <a:ext cx="699480" cy="356040"/>
+            <a:off x="17998920" y="11129040"/>
+            <a:ext cx="699120" cy="355680"/>
           </a:xfrm>
           <a:prstGeom prst="bentUpArrow">
             <a:avLst>
@@ -13207,8 +11890,8 @@
         </p:nvSpPr>
         <p:spPr>
           <a:xfrm rot="10800000">
-            <a:off x="16093080" y="11128680"/>
-            <a:ext cx="735840" cy="356040"/>
+            <a:off x="16093440" y="11129040"/>
+            <a:ext cx="735480" cy="355680"/>
           </a:xfrm>
           <a:prstGeom prst="bentUpArrow">
             <a:avLst>
@@ -13243,7 +11926,7 @@
         <p:spPr>
           <a:xfrm>
             <a:off x="1605960" y="2844720"/>
-            <a:ext cx="3381840" cy="360360"/>
+            <a:ext cx="3381480" cy="360000"/>
           </a:xfrm>
           <a:prstGeom prst="rect">
             <a:avLst/>
@@ -13269,7 +11952,7 @@
         <p:spPr>
           <a:xfrm>
             <a:off x="2260080" y="2816280"/>
-            <a:ext cx="160560" cy="672480"/>
+            <a:ext cx="160200" cy="672120"/>
           </a:xfrm>
           <a:prstGeom prst="downArrow">
             <a:avLst>
@@ -13303,7 +11986,7 @@
         <p:spPr>
           <a:xfrm>
             <a:off x="2259360" y="4503600"/>
-            <a:ext cx="161280" cy="2115000"/>
+            <a:ext cx="160920" cy="2114640"/>
           </a:xfrm>
           <a:prstGeom prst="downArrow">
             <a:avLst>
@@ -13337,7 +12020,7 @@
         <p:spPr>
           <a:xfrm>
             <a:off x="1717200" y="2380320"/>
-            <a:ext cx="1216440" cy="597960"/>
+            <a:ext cx="1216080" cy="597600"/>
           </a:xfrm>
           <a:prstGeom prst="rect">
             <a:avLst/>
@@ -13415,7 +12098,7 @@
         <p:spPr>
           <a:xfrm>
             <a:off x="272880" y="4646160"/>
-            <a:ext cx="1144440" cy="400320"/>
+            <a:ext cx="1144080" cy="399960"/>
           </a:xfrm>
           <a:prstGeom prst="rect">
             <a:avLst/>
@@ -13472,7 +12155,7 @@
         <p:spPr>
           <a:xfrm>
             <a:off x="1789920" y="5640120"/>
-            <a:ext cx="1094400" cy="597960"/>
+            <a:ext cx="1094040" cy="597600"/>
           </a:xfrm>
           <a:prstGeom prst="rect">
             <a:avLst/>
@@ -13529,7 +12212,7 @@
         <p:spPr>
           <a:xfrm>
             <a:off x="3298320" y="4605840"/>
-            <a:ext cx="1140840" cy="398160"/>
+            <a:ext cx="1140480" cy="397800"/>
           </a:xfrm>
           <a:prstGeom prst="rect">
             <a:avLst/>
@@ -13586,7 +12269,7 @@
         <p:spPr>
           <a:xfrm>
             <a:off x="1403280" y="3489120"/>
-            <a:ext cx="1889640" cy="1074240"/>
+            <a:ext cx="1889280" cy="1073880"/>
           </a:xfrm>
           <a:prstGeom prst="diamond">
             <a:avLst/>
@@ -13642,8 +12325,8 @@
         </p:nvSpPr>
         <p:spPr>
           <a:xfrm flipV="1" rot="10800000">
-            <a:off x="845640" y="4025880"/>
-            <a:ext cx="557640" cy="619560"/>
+            <a:off x="846000" y="4026240"/>
+            <a:ext cx="557280" cy="619200"/>
           </a:xfrm>
           <a:prstGeom prst="bentConnector2">
             <a:avLst/>
@@ -13677,8 +12360,8 @@
         </p:nvSpPr>
         <p:spPr>
           <a:xfrm flipH="1" rot="16200000">
-            <a:off x="1404720" y="4487760"/>
-            <a:ext cx="311760" cy="1429920"/>
+            <a:off x="1404360" y="4487760"/>
+            <a:ext cx="311400" cy="1429560"/>
           </a:xfrm>
           <a:prstGeom prst="bentConnector2">
             <a:avLst/>
@@ -13713,7 +12396,7 @@
         <p:spPr>
           <a:xfrm>
             <a:off x="3293280" y="4026600"/>
-            <a:ext cx="574920" cy="579240"/>
+            <a:ext cx="574560" cy="578880"/>
           </a:xfrm>
           <a:prstGeom prst="bentConnector2">
             <a:avLst/>
@@ -13747,8 +12430,8 @@
         </p:nvSpPr>
         <p:spPr>
           <a:xfrm rot="5400000">
-            <a:off x="2913480" y="4410360"/>
-            <a:ext cx="455400" cy="1455120"/>
+            <a:off x="2913840" y="4410360"/>
+            <a:ext cx="455040" cy="1454760"/>
           </a:xfrm>
           <a:prstGeom prst="bentConnector2">
             <a:avLst/>
@@ -13783,7 +12466,7 @@
         <p:spPr>
           <a:xfrm>
             <a:off x="451800" y="3669120"/>
-            <a:ext cx="735840" cy="357120"/>
+            <a:ext cx="735480" cy="356760"/>
           </a:xfrm>
           <a:prstGeom prst="rect">
             <a:avLst/>
@@ -13835,7 +12518,7 @@
         <p:spPr>
           <a:xfrm>
             <a:off x="3490560" y="3686760"/>
-            <a:ext cx="811080" cy="357120"/>
+            <a:ext cx="810720" cy="356760"/>
           </a:xfrm>
           <a:prstGeom prst="rect">
             <a:avLst/>
@@ -13887,7 +12570,7 @@
         <p:spPr>
           <a:xfrm>
             <a:off x="4784400" y="3255120"/>
-            <a:ext cx="2332440" cy="1582560"/>
+            <a:ext cx="2332080" cy="1582200"/>
           </a:xfrm>
           <a:prstGeom prst="rightArrow">
             <a:avLst>
@@ -13954,7 +12637,7 @@
         <p:spPr>
           <a:xfrm>
             <a:off x="7338240" y="2286000"/>
-            <a:ext cx="1755360" cy="3979800"/>
+            <a:ext cx="1755000" cy="3979440"/>
           </a:xfrm>
           <a:prstGeom prst="rect">
             <a:avLst/>
@@ -14261,7 +12944,7 @@
         <p:spPr>
           <a:xfrm>
             <a:off x="360000" y="360000"/>
-            <a:ext cx="9352080" cy="892080"/>
+            <a:ext cx="9351720" cy="891720"/>
           </a:xfrm>
           <a:prstGeom prst="rect">
             <a:avLst/>
@@ -14313,7 +12996,7 @@
         <p:spPr>
           <a:xfrm>
             <a:off x="897120" y="6886080"/>
-            <a:ext cx="6439320" cy="357120"/>
+            <a:ext cx="6438960" cy="356760"/>
           </a:xfrm>
           <a:prstGeom prst="rect">
             <a:avLst/>
@@ -14365,7 +13048,7 @@
         <p:spPr>
           <a:xfrm>
             <a:off x="7608600" y="6886080"/>
-            <a:ext cx="2277360" cy="357120"/>
+            <a:ext cx="2277000" cy="356760"/>
           </a:xfrm>
           <a:prstGeom prst="rect">
             <a:avLst/>
@@ -14417,7 +13100,7 @@
         <p:spPr>
           <a:xfrm>
             <a:off x="4026600" y="2912040"/>
-            <a:ext cx="3381840" cy="360360"/>
+            <a:ext cx="3381480" cy="360000"/>
           </a:xfrm>
           <a:prstGeom prst="rect">
             <a:avLst/>
@@ -14442,8 +13125,8 @@
         </p:nvSpPr>
         <p:spPr>
           <a:xfrm flipH="1" rot="16200000">
-            <a:off x="2738160" y="4174560"/>
-            <a:ext cx="400320" cy="1756800"/>
+            <a:off x="2737800" y="4174560"/>
+            <a:ext cx="399960" cy="1756440"/>
           </a:xfrm>
           <a:prstGeom prst="bentUpArrow">
             <a:avLst>
@@ -14478,7 +13161,7 @@
         <p:spPr>
           <a:xfrm>
             <a:off x="503640" y="1759680"/>
-            <a:ext cx="9172440" cy="4748760"/>
+            <a:ext cx="9172080" cy="4748400"/>
           </a:xfrm>
           <a:prstGeom prst="rect">
             <a:avLst/>
@@ -14785,7 +13468,7 @@
         <p:spPr>
           <a:xfrm>
             <a:off x="360000" y="360000"/>
-            <a:ext cx="9352080" cy="892080"/>
+            <a:ext cx="9351720" cy="891720"/>
           </a:xfrm>
           <a:prstGeom prst="rect">
             <a:avLst/>
@@ -14837,7 +13520,7 @@
         <p:spPr>
           <a:xfrm>
             <a:off x="897120" y="6886080"/>
-            <a:ext cx="6439320" cy="357120"/>
+            <a:ext cx="6438960" cy="356760"/>
           </a:xfrm>
           <a:prstGeom prst="rect">
             <a:avLst/>
@@ -14889,7 +13572,7 @@
         <p:spPr>
           <a:xfrm>
             <a:off x="7608600" y="6886080"/>
-            <a:ext cx="2277360" cy="357120"/>
+            <a:ext cx="2277000" cy="356760"/>
           </a:xfrm>
           <a:prstGeom prst="rect">
             <a:avLst/>
@@ -14941,7 +13624,7 @@
         <p:spPr>
           <a:xfrm>
             <a:off x="4026600" y="2912040"/>
-            <a:ext cx="3381840" cy="360360"/>
+            <a:ext cx="3381480" cy="360000"/>
           </a:xfrm>
           <a:prstGeom prst="rect">
             <a:avLst/>
@@ -14966,8 +13649,8 @@
         </p:nvSpPr>
         <p:spPr>
           <a:xfrm flipH="1" rot="16200000">
-            <a:off x="2738160" y="4174560"/>
-            <a:ext cx="400320" cy="1756800"/>
+            <a:off x="2737800" y="4174560"/>
+            <a:ext cx="399960" cy="1756440"/>
           </a:xfrm>
           <a:prstGeom prst="bentUpArrow">
             <a:avLst>
@@ -15002,7 +13685,7 @@
         <p:spPr>
           <a:xfrm>
             <a:off x="503640" y="1759680"/>
-            <a:ext cx="9172440" cy="4748760"/>
+            <a:ext cx="9172080" cy="4748400"/>
           </a:xfrm>
           <a:prstGeom prst="rect">
             <a:avLst/>
@@ -15071,30 +13754,6 @@
               <a:buFont typeface="Arial"/>
               <a:buChar char="•"/>
             </a:pPr>
-            <a:r>
-              <a:rPr b="0" lang="pt-BR" sz="1800" spc="-1" strike="noStrike">
-                <a:solidFill>
-                  <a:srgbClr val="1c1c1c"/>
-                </a:solidFill>
-                <a:latin typeface="Latin Modern Sans"/>
-                <a:ea typeface="DejaVu Sans"/>
-              </a:rPr>
-              <a:t>Utilizam expressões lógicas para determinar se um determinado bloco de código será executado</a:t>
-            </a:r>
-            <a:endParaRPr b="0" lang="pt-BR" sz="1800" spc="-1" strike="noStrike">
-              <a:latin typeface="Arial"/>
-            </a:endParaRPr>
-          </a:p>
-          <a:p>
-            <a:pPr>
-              <a:lnSpc>
-                <a:spcPct val="100000"/>
-              </a:lnSpc>
-              <a:spcAft>
-                <a:spcPts val="1140"/>
-              </a:spcAft>
-              <a:buNone/>
-            </a:pPr>
             <a:endParaRPr b="0" lang="pt-BR" sz="1800" spc="-1" strike="noStrike">
               <a:latin typeface="Arial"/>
             </a:endParaRPr>
@@ -15122,17 +13781,28 @@
                 <a:latin typeface="Latin Modern Sans"/>
                 <a:ea typeface="DejaVu Sans"/>
               </a:rPr>
-              <a:t>Exercícios de Fixação</a:t>
+              <a:t>Utilizam expressões lógicas para determinar se um determinado bloco de código será executado</a:t>
             </a:r>
             <a:endParaRPr b="0" lang="pt-BR" sz="1800" spc="-1" strike="noStrike">
               <a:latin typeface="Arial"/>
             </a:endParaRPr>
           </a:p>
           <a:p>
-            <a:pPr lvl="1" marL="673200" indent="-278280">
+            <a:pPr>
               <a:lnSpc>
                 <a:spcPct val="100000"/>
               </a:lnSpc>
+              <a:spcAft>
+                <a:spcPts val="1140"/>
+              </a:spcAft>
+              <a:buNone/>
+            </a:pPr>
+            <a:endParaRPr b="0" lang="pt-BR" sz="1800" spc="-1" strike="noStrike">
+              <a:latin typeface="Arial"/>
+            </a:endParaRPr>
+          </a:p>
+          <a:p>
+            <a:pPr marL="216000" indent="-278280">
               <a:spcAft>
                 <a:spcPts val="1140"/>
               </a:spcAft>
@@ -15151,22 +13821,20 @@
                 <a:latin typeface="Latin Modern Sans"/>
                 <a:ea typeface="DejaVu Sans"/>
               </a:rPr>
-              <a:t>AVA -&gt; Atividades Pedagógicas -&gt; Exercício Fixação 02 - IF-ELSE</a:t>
-            </a:r>
-            <a:endParaRPr b="0" lang="pt-BR" sz="1800" spc="-1" strike="noStrike">
-              <a:latin typeface="Arial"/>
-            </a:endParaRPr>
-          </a:p>
-          <a:p>
-            <a:pPr>
-              <a:lnSpc>
-                <a:spcPct val="100000"/>
-              </a:lnSpc>
-              <a:spcAft>
-                <a:spcPts val="1140"/>
-              </a:spcAft>
-              <a:buNone/>
-            </a:pPr>
+              <a:t>Exercícios de Fixação: </a:t>
+            </a:r>
+            <a:r>
+              <a:rPr b="0" lang="pt-BR" sz="1800" spc="-1" strike="noStrike" u="sng">
+                <a:solidFill>
+                  <a:srgbClr val="0000ff"/>
+                </a:solidFill>
+                <a:uFillTx/>
+                <a:latin typeface="Latin Modern Sans"/>
+                <a:ea typeface="DejaVu Sans"/>
+                <a:hlinkClick r:id="rId1"/>
+              </a:rPr>
+              <a:t>[Aula 02 - ExercíciosFixação.md]</a:t>
+            </a:r>
             <a:endParaRPr b="0" lang="pt-BR" sz="1800" spc="-1" strike="noStrike">
               <a:latin typeface="Arial"/>
             </a:endParaRPr>
@@ -15186,22 +13854,12 @@
               <a:buFont typeface="Arial"/>
               <a:buChar char="•"/>
             </a:pPr>
-            <a:r>
-              <a:rPr b="0" lang="pt-BR" sz="1800" spc="-1" strike="noStrike">
-                <a:solidFill>
-                  <a:srgbClr val="1c1c1c"/>
-                </a:solidFill>
-                <a:latin typeface="Latin Modern Sans"/>
-                <a:ea typeface="DejaVu Sans"/>
-              </a:rPr>
-              <a:t>Perdeu a aula ? Quer outra explicação ? Segue alguns links:</a:t>
-            </a:r>
             <a:endParaRPr b="0" lang="pt-BR" sz="1800" spc="-1" strike="noStrike">
               <a:latin typeface="Arial"/>
             </a:endParaRPr>
           </a:p>
           <a:p>
-            <a:pPr lvl="1" marL="673200" indent="-278280">
+            <a:pPr marL="216000" indent="-278280">
               <a:lnSpc>
                 <a:spcPct val="100000"/>
               </a:lnSpc>
@@ -15216,16 +13874,14 @@
               <a:buChar char="•"/>
             </a:pPr>
             <a:r>
-              <a:rPr b="0" lang="pt-BR" sz="1800" spc="-1" strike="noStrike" u="sng">
-                <a:solidFill>
-                  <a:srgbClr val="0000ff"/>
-                </a:solidFill>
-                <a:uFillTx/>
+              <a:rPr b="0" lang="pt-BR" sz="1800" spc="-1" strike="noStrike">
+                <a:solidFill>
+                  <a:srgbClr val="1c1c1c"/>
+                </a:solidFill>
                 <a:latin typeface="Latin Modern Sans"/>
                 <a:ea typeface="DejaVu Sans"/>
-                <a:hlinkClick r:id="rId1"/>
-              </a:rPr>
-              <a:t>Prof. Wallison Silva</a:t>
+              </a:rPr>
+              <a:t>Perdeu a aula ? Quer outra explicação ? Segue alguns links:</a:t>
             </a:r>
             <a:endParaRPr b="0" lang="pt-BR" sz="1800" spc="-1" strike="noStrike">
               <a:latin typeface="Arial"/>
@@ -15247,7 +13903,7 @@
               <a:buChar char="•"/>
             </a:pPr>
             <a:r>
-              <a:rPr b="0" lang="en-US" sz="1800" spc="-1" strike="noStrike" u="sng">
+              <a:rPr b="0" lang="pt-BR" sz="1800" spc="-1" strike="noStrike" u="sng">
                 <a:solidFill>
                   <a:srgbClr val="0000ff"/>
                 </a:solidFill>
@@ -15255,6 +13911,37 @@
                 <a:latin typeface="Latin Modern Sans"/>
                 <a:ea typeface="DejaVu Sans"/>
                 <a:hlinkClick r:id="rId2"/>
+              </a:rPr>
+              <a:t>Prof. Wallison Silva</a:t>
+            </a:r>
+            <a:endParaRPr b="0" lang="pt-BR" sz="1800" spc="-1" strike="noStrike">
+              <a:latin typeface="Arial"/>
+            </a:endParaRPr>
+          </a:p>
+          <a:p>
+            <a:pPr lvl="1" marL="673200" indent="-278280">
+              <a:lnSpc>
+                <a:spcPct val="100000"/>
+              </a:lnSpc>
+              <a:spcAft>
+                <a:spcPts val="1140"/>
+              </a:spcAft>
+              <a:buClr>
+                <a:srgbClr val="000000"/>
+              </a:buClr>
+              <a:buSzPct val="45000"/>
+              <a:buFont typeface="Arial"/>
+              <a:buChar char="•"/>
+            </a:pPr>
+            <a:r>
+              <a:rPr b="0" lang="en-US" sz="1800" spc="-1" strike="noStrike" u="sng">
+                <a:solidFill>
+                  <a:srgbClr val="0000ff"/>
+                </a:solidFill>
+                <a:uFillTx/>
+                <a:latin typeface="Latin Modern Sans"/>
+                <a:ea typeface="DejaVu Sans"/>
+                <a:hlinkClick r:id="rId3"/>
               </a:rPr>
               <a:t>Pythonando</a:t>
             </a:r>
@@ -15303,7 +13990,7 @@
         <p:spPr>
           <a:xfrm>
             <a:off x="360000" y="360000"/>
-            <a:ext cx="9351720" cy="891720"/>
+            <a:ext cx="9351360" cy="891360"/>
           </a:xfrm>
           <a:prstGeom prst="rect">
             <a:avLst/>
@@ -15355,7 +14042,7 @@
         <p:spPr>
           <a:xfrm>
             <a:off x="360000" y="1980000"/>
-            <a:ext cx="9171720" cy="4671720"/>
+            <a:ext cx="9171360" cy="4671360"/>
           </a:xfrm>
           <a:prstGeom prst="rect">
             <a:avLst/>
@@ -15516,7 +14203,7 @@
         <p:spPr>
           <a:xfrm>
             <a:off x="897120" y="6886080"/>
-            <a:ext cx="6438960" cy="356760"/>
+            <a:ext cx="6438600" cy="356400"/>
           </a:xfrm>
           <a:prstGeom prst="rect">
             <a:avLst/>
@@ -15568,7 +14255,7 @@
         <p:spPr>
           <a:xfrm>
             <a:off x="7608600" y="6886080"/>
-            <a:ext cx="2277000" cy="356760"/>
+            <a:ext cx="2276640" cy="356400"/>
           </a:xfrm>
           <a:prstGeom prst="rect">
             <a:avLst/>
@@ -15624,7 +14311,7 @@
         <p:spPr>
           <a:xfrm>
             <a:off x="2387880" y="3714120"/>
-            <a:ext cx="5789520" cy="2742120"/>
+            <a:ext cx="5789160" cy="2741760"/>
           </a:xfrm>
           <a:prstGeom prst="rect">
             <a:avLst/>
@@ -15643,7 +14330,7 @@
         <p:spPr>
           <a:xfrm>
             <a:off x="2870640" y="4881600"/>
-            <a:ext cx="264240" cy="264240"/>
+            <a:ext cx="263880" cy="263880"/>
           </a:xfrm>
           <a:prstGeom prst="ellipse">
             <a:avLst/>
@@ -15673,7 +14360,7 @@
         <p:spPr>
           <a:xfrm>
             <a:off x="3230640" y="4881600"/>
-            <a:ext cx="264240" cy="264240"/>
+            <a:ext cx="263880" cy="263880"/>
           </a:xfrm>
           <a:prstGeom prst="ellipse">
             <a:avLst/>
@@ -15703,7 +14390,7 @@
         <p:spPr>
           <a:xfrm>
             <a:off x="3590640" y="4881600"/>
-            <a:ext cx="264240" cy="264240"/>
+            <a:ext cx="263880" cy="263880"/>
           </a:xfrm>
           <a:prstGeom prst="ellipse">
             <a:avLst/>
@@ -15763,7 +14450,7 @@
         <p:spPr>
           <a:xfrm>
             <a:off x="360000" y="360000"/>
-            <a:ext cx="9352080" cy="892080"/>
+            <a:ext cx="9351720" cy="891720"/>
           </a:xfrm>
           <a:prstGeom prst="rect">
             <a:avLst/>
@@ -15815,7 +14502,7 @@
         <p:spPr>
           <a:xfrm>
             <a:off x="360000" y="1980000"/>
-            <a:ext cx="9172080" cy="4672080"/>
+            <a:ext cx="9171720" cy="4671720"/>
           </a:xfrm>
           <a:prstGeom prst="rect">
             <a:avLst/>
@@ -15836,31 +14523,23 @@
             <a:normAutofit/>
           </a:bodyPr>
           <a:p>
-            <a:pPr marL="216000" indent="-208440">
+            <a:pPr>
               <a:lnSpc>
                 <a:spcPct val="100000"/>
               </a:lnSpc>
               <a:spcAft>
                 <a:spcPts val="1140"/>
               </a:spcAft>
-              <a:buClr>
-                <a:srgbClr val="000000"/>
-              </a:buClr>
-              <a:buSzPct val="45000"/>
-              <a:buFont typeface="Wingdings" charset="2"/>
-              <a:buChar char=""/>
-            </a:pPr>
-            <a:r>
-              <a:rPr b="1" lang="pt-BR" sz="2000" spc="-1" strike="noStrike">
-                <a:solidFill>
-                  <a:srgbClr val="1c1c1c"/>
-                </a:solidFill>
-                <a:latin typeface="Latin Modern Sans"/>
-                <a:ea typeface="DejaVu Sans"/>
-              </a:rPr>
-              <a:t>AVA -&gt; Atividades Pedagógicas -&gt; Atividade Prática 01.pdf </a:t>
-            </a:r>
-            <a:endParaRPr b="0" lang="pt-BR" sz="2000" spc="-1" strike="noStrike">
+              <a:buNone/>
+            </a:pPr>
+            <a:r>
+              <a:rPr b="0" lang="pt-BR" sz="1800" spc="-1" strike="noStrike">
+                <a:latin typeface="Arial"/>
+                <a:hlinkClick r:id="rId1"/>
+              </a:rPr>
+              <a:t>[Aula 01 - ExercíciosFixação - Resolução.md]</a:t>
+            </a:r>
+            <a:endParaRPr b="0" lang="pt-BR" sz="1800" spc="-1" strike="noStrike">
               <a:latin typeface="Arial"/>
             </a:endParaRPr>
           </a:p>
@@ -15874,6 +14553,20 @@
               </a:spcAft>
               <a:buNone/>
             </a:pPr>
+            <a:endParaRPr b="0" lang="pt-BR" sz="1800" spc="-1" strike="noStrike">
+              <a:latin typeface="Arial"/>
+            </a:endParaRPr>
+          </a:p>
+          <a:p>
+            <a:pPr>
+              <a:lnSpc>
+                <a:spcPct val="100000"/>
+              </a:lnSpc>
+              <a:spcAft>
+                <a:spcPts val="1140"/>
+              </a:spcAft>
+              <a:buNone/>
+            </a:pPr>
             <a:endParaRPr b="0" lang="pt-BR" sz="1600" spc="-1" strike="noStrike">
               <a:latin typeface="Arial"/>
             </a:endParaRPr>
@@ -15889,7 +14582,7 @@
         <p:spPr>
           <a:xfrm>
             <a:off x="897120" y="6886080"/>
-            <a:ext cx="6439320" cy="357120"/>
+            <a:ext cx="6438960" cy="356760"/>
           </a:xfrm>
           <a:prstGeom prst="rect">
             <a:avLst/>
@@ -15941,7 +14634,7 @@
         <p:spPr>
           <a:xfrm>
             <a:off x="7608600" y="6886080"/>
-            <a:ext cx="2277360" cy="357120"/>
+            <a:ext cx="2277000" cy="356760"/>
           </a:xfrm>
           <a:prstGeom prst="rect">
             <a:avLst/>
@@ -16023,7 +14716,7 @@
         <p:spPr>
           <a:xfrm>
             <a:off x="360000" y="360000"/>
-            <a:ext cx="9352080" cy="892080"/>
+            <a:ext cx="9351720" cy="891720"/>
           </a:xfrm>
           <a:prstGeom prst="rect">
             <a:avLst/>
@@ -16075,7 +14768,7 @@
         <p:spPr>
           <a:xfrm>
             <a:off x="360000" y="1980000"/>
-            <a:ext cx="9172080" cy="4672080"/>
+            <a:ext cx="9171720" cy="4671720"/>
           </a:xfrm>
           <a:prstGeom prst="rect">
             <a:avLst/>
@@ -16354,7 +15047,7 @@
             </a:endParaRPr>
           </a:p>
           <a:p>
-            <a:pPr>
+            <a:pPr marL="464760">
               <a:lnSpc>
                 <a:spcPct val="100000"/>
               </a:lnSpc>
@@ -16368,7 +15061,7 @@
             </a:endParaRPr>
           </a:p>
           <a:p>
-            <a:pPr>
+            <a:pPr marL="464760">
               <a:lnSpc>
                 <a:spcPct val="100000"/>
               </a:lnSpc>
@@ -16392,7 +15085,7 @@
         <p:spPr>
           <a:xfrm>
             <a:off x="897120" y="6886080"/>
-            <a:ext cx="6439320" cy="357120"/>
+            <a:ext cx="6438960" cy="356760"/>
           </a:xfrm>
           <a:prstGeom prst="rect">
             <a:avLst/>
@@ -16444,7 +15137,7 @@
         <p:spPr>
           <a:xfrm>
             <a:off x="7608600" y="6886080"/>
-            <a:ext cx="2277360" cy="357120"/>
+            <a:ext cx="2277000" cy="356760"/>
           </a:xfrm>
           <a:prstGeom prst="rect">
             <a:avLst/>
@@ -16495,8 +15188,8 @@
         </p:nvSpPr>
         <p:spPr>
           <a:xfrm>
-            <a:off x="2805120" y="2401200"/>
-            <a:ext cx="4308840" cy="1369440"/>
+            <a:off x="2805120" y="2401920"/>
+            <a:ext cx="4308480" cy="1368000"/>
           </a:xfrm>
           <a:prstGeom prst="rect">
             <a:avLst/>
@@ -16515,7 +15208,7 @@
           <a:fontRef idx="minor"/>
         </p:style>
         <p:txBody>
-          <a:bodyPr numCol="1" spcCol="0" anchor="ctr">
+          <a:bodyPr numCol="1" spcCol="0" lIns="90000" rIns="90000" tIns="45000" bIns="45000" anchor="ctr">
             <a:spAutoFit/>
           </a:bodyPr>
           <a:p>
@@ -16744,8 +15437,8 @@
         </p:nvSpPr>
         <p:spPr>
           <a:xfrm>
-            <a:off x="2805120" y="4710600"/>
-            <a:ext cx="4308840" cy="2008800"/>
+            <a:off x="2805120" y="4711320"/>
+            <a:ext cx="4308480" cy="2007360"/>
           </a:xfrm>
           <a:prstGeom prst="rect">
             <a:avLst/>
@@ -16764,7 +15457,7 @@
           <a:fontRef idx="minor"/>
         </p:style>
         <p:txBody>
-          <a:bodyPr numCol="1" spcCol="0" anchor="ctr">
+          <a:bodyPr numCol="1" spcCol="0" lIns="90000" rIns="90000" tIns="45000" bIns="45000" anchor="ctr">
             <a:spAutoFit/>
           </a:bodyPr>
           <a:p>
@@ -17153,7 +15846,7 @@
         <p:spPr>
           <a:xfrm>
             <a:off x="360000" y="360000"/>
-            <a:ext cx="9352080" cy="892080"/>
+            <a:ext cx="9351720" cy="891720"/>
           </a:xfrm>
           <a:prstGeom prst="rect">
             <a:avLst/>
@@ -17205,7 +15898,7 @@
         <p:spPr>
           <a:xfrm>
             <a:off x="897120" y="6886080"/>
-            <a:ext cx="6439320" cy="357120"/>
+            <a:ext cx="6438960" cy="356760"/>
           </a:xfrm>
           <a:prstGeom prst="rect">
             <a:avLst/>
@@ -17257,7 +15950,7 @@
         <p:spPr>
           <a:xfrm>
             <a:off x="7608600" y="6886080"/>
-            <a:ext cx="2277360" cy="357120"/>
+            <a:ext cx="2277000" cy="356760"/>
           </a:xfrm>
           <a:prstGeom prst="rect">
             <a:avLst/>
@@ -17308,7 +16001,7 @@
         </p:nvGraphicFramePr>
         <p:xfrm>
           <a:off x="1510920" y="3260520"/>
-          <a:ext cx="7476840" cy="2595600"/>
+          <a:ext cx="7476480" cy="2625480"/>
         </p:xfrm>
         <a:graphic>
           <a:graphicData uri="http://schemas.openxmlformats.org/drawingml/2006/table">
@@ -18529,7 +17222,7 @@
         <p:spPr>
           <a:xfrm>
             <a:off x="360000" y="1980000"/>
-            <a:ext cx="9172080" cy="4672080"/>
+            <a:ext cx="9171720" cy="4671720"/>
           </a:xfrm>
           <a:prstGeom prst="rect">
             <a:avLst/>
@@ -18702,7 +17395,7 @@
         <p:spPr>
           <a:xfrm>
             <a:off x="360000" y="360000"/>
-            <a:ext cx="9352080" cy="892080"/>
+            <a:ext cx="9351720" cy="891720"/>
           </a:xfrm>
           <a:prstGeom prst="rect">
             <a:avLst/>
@@ -18754,7 +17447,7 @@
         <p:spPr>
           <a:xfrm>
             <a:off x="897120" y="6886080"/>
-            <a:ext cx="6439320" cy="357120"/>
+            <a:ext cx="6438960" cy="356760"/>
           </a:xfrm>
           <a:prstGeom prst="rect">
             <a:avLst/>
@@ -18806,7 +17499,7 @@
         <p:spPr>
           <a:xfrm>
             <a:off x="7608600" y="6886080"/>
-            <a:ext cx="2277360" cy="357120"/>
+            <a:ext cx="2277000" cy="356760"/>
           </a:xfrm>
           <a:prstGeom prst="rect">
             <a:avLst/>
@@ -18858,7 +17551,7 @@
         <p:spPr>
           <a:xfrm>
             <a:off x="360000" y="1980000"/>
-            <a:ext cx="9172080" cy="4672080"/>
+            <a:ext cx="9171720" cy="4671720"/>
           </a:xfrm>
           <a:prstGeom prst="rect">
             <a:avLst/>
@@ -19340,7 +18033,7 @@
         <p:spPr>
           <a:xfrm>
             <a:off x="360000" y="360000"/>
-            <a:ext cx="9352080" cy="892080"/>
+            <a:ext cx="9351720" cy="891720"/>
           </a:xfrm>
           <a:prstGeom prst="rect">
             <a:avLst/>
@@ -19392,7 +18085,7 @@
         <p:spPr>
           <a:xfrm>
             <a:off x="897120" y="6886080"/>
-            <a:ext cx="6439320" cy="357120"/>
+            <a:ext cx="6438960" cy="356760"/>
           </a:xfrm>
           <a:prstGeom prst="rect">
             <a:avLst/>
@@ -19444,7 +18137,7 @@
         <p:spPr>
           <a:xfrm>
             <a:off x="7608600" y="6886080"/>
-            <a:ext cx="2277360" cy="357120"/>
+            <a:ext cx="2277000" cy="356760"/>
           </a:xfrm>
           <a:prstGeom prst="rect">
             <a:avLst/>
@@ -19496,7 +18189,7 @@
         <p:spPr>
           <a:xfrm>
             <a:off x="360000" y="1980000"/>
-            <a:ext cx="9172080" cy="4672080"/>
+            <a:ext cx="9171720" cy="4671720"/>
           </a:xfrm>
           <a:prstGeom prst="rect">
             <a:avLst/>
@@ -19683,7 +18376,7 @@
         </p:nvGraphicFramePr>
         <p:xfrm>
           <a:off x="360000" y="3606840"/>
-          <a:ext cx="2630880" cy="1813680"/>
+          <a:ext cx="2630520" cy="1813680"/>
         </p:xfrm>
         <a:graphic>
           <a:graphicData uri="http://schemas.openxmlformats.org/drawingml/2006/table">
@@ -20337,7 +19030,7 @@
         </p:nvGraphicFramePr>
         <p:xfrm>
           <a:off x="3986640" y="5555520"/>
-          <a:ext cx="1568160" cy="1096560"/>
+          <a:ext cx="1567800" cy="1096200"/>
         </p:xfrm>
         <a:graphic>
           <a:graphicData uri="http://schemas.openxmlformats.org/drawingml/2006/table">
@@ -20350,7 +19043,7 @@
               <a:tr h="396000">
                 <a:tc>
                   <a:txBody>
-                    <a:bodyPr tIns="45360" bIns="45360" anchor="t">
+                    <a:bodyPr anchor="t">
                       <a:noAutofit/>
                     </a:bodyPr>
                     <a:p>
@@ -20406,7 +19099,7 @@
                 </a:tc>
                 <a:tc>
                   <a:txBody>
-                    <a:bodyPr tIns="45360" bIns="45360" anchor="t">
+                    <a:bodyPr anchor="t">
                       <a:noAutofit/>
                     </a:bodyPr>
                     <a:p>
@@ -20474,7 +19167,7 @@
               <a:tr h="700560">
                 <a:tc>
                   <a:txBody>
-                    <a:bodyPr tIns="45360" bIns="45360" anchor="t">
+                    <a:bodyPr anchor="t">
                       <a:noAutofit/>
                     </a:bodyPr>
                     <a:p>
@@ -20554,7 +19247,7 @@
                 </a:tc>
                 <a:tc>
                   <a:txBody>
-                    <a:bodyPr tIns="45360" bIns="45360" anchor="t">
+                    <a:bodyPr anchor="t">
                       <a:noAutofit/>
                     </a:bodyPr>
                     <a:p>
@@ -20645,7 +19338,7 @@
         </p:nvGraphicFramePr>
         <p:xfrm>
           <a:off x="3677400" y="3603960"/>
-          <a:ext cx="2630880" cy="1813680"/>
+          <a:ext cx="2630520" cy="1813680"/>
         </p:xfrm>
         <a:graphic>
           <a:graphicData uri="http://schemas.openxmlformats.org/drawingml/2006/table">
@@ -21299,7 +19992,7 @@
         </p:nvGraphicFramePr>
         <p:xfrm>
           <a:off x="6968520" y="3603960"/>
-          <a:ext cx="2630880" cy="1813680"/>
+          <a:ext cx="2630520" cy="1813680"/>
         </p:xfrm>
         <a:graphic>
           <a:graphicData uri="http://schemas.openxmlformats.org/drawingml/2006/table">
@@ -21984,7 +20677,7 @@
         <p:spPr>
           <a:xfrm>
             <a:off x="360000" y="360000"/>
-            <a:ext cx="9352080" cy="892080"/>
+            <a:ext cx="9351720" cy="891720"/>
           </a:xfrm>
           <a:prstGeom prst="rect">
             <a:avLst/>
@@ -22036,7 +20729,7 @@
         <p:spPr>
           <a:xfrm>
             <a:off x="897120" y="6886080"/>
-            <a:ext cx="6439320" cy="357120"/>
+            <a:ext cx="6438960" cy="356760"/>
           </a:xfrm>
           <a:prstGeom prst="rect">
             <a:avLst/>
@@ -22088,7 +20781,7 @@
         <p:spPr>
           <a:xfrm>
             <a:off x="7608600" y="6886080"/>
-            <a:ext cx="2277360" cy="357120"/>
+            <a:ext cx="2277000" cy="356760"/>
           </a:xfrm>
           <a:prstGeom prst="rect">
             <a:avLst/>
@@ -22140,7 +20833,7 @@
         <p:spPr>
           <a:xfrm>
             <a:off x="405000" y="1468800"/>
-            <a:ext cx="3090600" cy="4495320"/>
+            <a:ext cx="3090240" cy="4494960"/>
           </a:xfrm>
           <a:prstGeom prst="rect">
             <a:avLst/>
@@ -22159,7 +20852,7 @@
           <a:fontRef idx="minor"/>
         </p:style>
         <p:txBody>
-          <a:bodyPr anchor="ctr">
+          <a:bodyPr lIns="90000" rIns="90000" tIns="45000" bIns="45000" anchor="ctr">
             <a:normAutofit/>
           </a:bodyPr>
           <a:p>
@@ -22400,7 +21093,7 @@
         <p:spPr>
           <a:xfrm>
             <a:off x="5303160" y="2202480"/>
-            <a:ext cx="4044600" cy="1142640"/>
+            <a:ext cx="4044240" cy="1142280"/>
           </a:xfrm>
           <a:prstGeom prst="rect">
             <a:avLst/>
@@ -22577,7 +21270,7 @@
         <p:spPr>
           <a:xfrm>
             <a:off x="3726360" y="2049840"/>
-            <a:ext cx="1238040" cy="1371240"/>
+            <a:ext cx="1237680" cy="1370880"/>
           </a:xfrm>
           <a:prstGeom prst="rightArrow">
             <a:avLst>
@@ -22611,7 +21304,7 @@
         <p:spPr>
           <a:xfrm>
             <a:off x="5303160" y="4488480"/>
-            <a:ext cx="4044600" cy="1676160"/>
+            <a:ext cx="4044240" cy="1675800"/>
           </a:xfrm>
           <a:prstGeom prst="rect">
             <a:avLst/>
@@ -22789,7 +21482,7 @@
         <p:spPr>
           <a:xfrm>
             <a:off x="3739680" y="4412160"/>
-            <a:ext cx="1238040" cy="1371240"/>
+            <a:ext cx="1237680" cy="1370880"/>
           </a:xfrm>
           <a:prstGeom prst="rightArrow">
             <a:avLst>
@@ -22853,7 +21546,7 @@
         <p:spPr>
           <a:xfrm>
             <a:off x="360000" y="360000"/>
-            <a:ext cx="9352080" cy="892080"/>
+            <a:ext cx="9351720" cy="891720"/>
           </a:xfrm>
           <a:prstGeom prst="rect">
             <a:avLst/>
@@ -22905,7 +21598,7 @@
         <p:spPr>
           <a:xfrm>
             <a:off x="897120" y="6886080"/>
-            <a:ext cx="6439320" cy="357120"/>
+            <a:ext cx="6438960" cy="356760"/>
           </a:xfrm>
           <a:prstGeom prst="rect">
             <a:avLst/>
@@ -22957,7 +21650,7 @@
         <p:spPr>
           <a:xfrm>
             <a:off x="7608600" y="6886080"/>
-            <a:ext cx="2277360" cy="357120"/>
+            <a:ext cx="2277000" cy="356760"/>
           </a:xfrm>
           <a:prstGeom prst="rect">
             <a:avLst/>
@@ -23009,7 +21702,7 @@
         <p:spPr>
           <a:xfrm>
             <a:off x="360000" y="1980000"/>
-            <a:ext cx="9172080" cy="4672080"/>
+            <a:ext cx="9171720" cy="4671720"/>
           </a:xfrm>
           <a:prstGeom prst="rect">
             <a:avLst/>
